--- a/03. Computer Networks/PPTs/6.5. SNMP.pptx
+++ b/03. Computer Networks/PPTs/6.5. SNMP.pptx
@@ -4,6 +4,9 @@
   <p:sldMasterIdLst>
     <p:sldMasterId id="2147483660" r:id="rId1"/>
   </p:sldMasterIdLst>
+  <p:notesMasterIdLst>
+    <p:notesMasterId r:id="rId39"/>
+  </p:notesMasterIdLst>
   <p:sldIdLst>
     <p:sldId id="256" r:id="rId2"/>
     <p:sldId id="258" r:id="rId3"/>
@@ -140,7 +143,457 @@
       </a:defRPr>
     </a:lvl9pPr>
   </p:defaultTextStyle>
+  <p:extLst>
+    <p:ext uri="{EFAFB233-063F-42B5-8137-9DF3F51BA10A}">
+      <p15:sldGuideLst xmlns:p15="http://schemas.microsoft.com/office/powerpoint/2012/main">
+        <p15:guide id="1" orient="horz" pos="2160">
+          <p15:clr>
+            <a:srgbClr val="A4A3A4"/>
+          </p15:clr>
+        </p15:guide>
+        <p15:guide id="2" pos="2880">
+          <p15:clr>
+            <a:srgbClr val="A4A3A4"/>
+          </p15:clr>
+        </p15:guide>
+      </p15:sldGuideLst>
+    </p:ext>
+  </p:extLst>
 </p:presentation>
+</file>
+
+<file path=ppt/notesMasters/notesMaster1.xml><?xml version="1.0" encoding="utf-8"?>
+<p:notesMaster xmlns:a="http://schemas.openxmlformats.org/drawingml/2006/main" xmlns:r="http://schemas.openxmlformats.org/officeDocument/2006/relationships" xmlns:p="http://schemas.openxmlformats.org/presentationml/2006/main">
+  <p:cSld>
+    <p:bg>
+      <p:bgRef idx="1001">
+        <a:schemeClr val="bg1"/>
+      </p:bgRef>
+    </p:bg>
+    <p:spTree>
+      <p:nvGrpSpPr>
+        <p:cNvPr id="1" name=""/>
+        <p:cNvGrpSpPr/>
+        <p:nvPr/>
+      </p:nvGrpSpPr>
+      <p:grpSpPr>
+        <a:xfrm>
+          <a:off x="0" y="0"/>
+          <a:ext cx="0" cy="0"/>
+          <a:chOff x="0" y="0"/>
+          <a:chExt cx="0" cy="0"/>
+        </a:xfrm>
+      </p:grpSpPr>
+      <p:sp>
+        <p:nvSpPr>
+          <p:cNvPr id="2" name="Header Placeholder 1"/>
+          <p:cNvSpPr>
+            <a:spLocks noGrp="1"/>
+          </p:cNvSpPr>
+          <p:nvPr>
+            <p:ph type="hdr" sz="quarter"/>
+          </p:nvPr>
+        </p:nvSpPr>
+        <p:spPr>
+          <a:xfrm>
+            <a:off x="0" y="0"/>
+            <a:ext cx="2971800" cy="458788"/>
+          </a:xfrm>
+          <a:prstGeom prst="rect">
+            <a:avLst/>
+          </a:prstGeom>
+        </p:spPr>
+        <p:txBody>
+          <a:bodyPr vert="horz" lIns="91440" tIns="45720" rIns="91440" bIns="45720" rtlCol="0"/>
+          <a:lstStyle>
+            <a:lvl1pPr algn="l">
+              <a:defRPr sz="1200"/>
+            </a:lvl1pPr>
+          </a:lstStyle>
+          <a:p>
+            <a:endParaRPr lang="en-IN"/>
+          </a:p>
+        </p:txBody>
+      </p:sp>
+      <p:sp>
+        <p:nvSpPr>
+          <p:cNvPr id="3" name="Date Placeholder 2"/>
+          <p:cNvSpPr>
+            <a:spLocks noGrp="1"/>
+          </p:cNvSpPr>
+          <p:nvPr>
+            <p:ph type="dt" idx="1"/>
+          </p:nvPr>
+        </p:nvSpPr>
+        <p:spPr>
+          <a:xfrm>
+            <a:off x="3884613" y="0"/>
+            <a:ext cx="2971800" cy="458788"/>
+          </a:xfrm>
+          <a:prstGeom prst="rect">
+            <a:avLst/>
+          </a:prstGeom>
+        </p:spPr>
+        <p:txBody>
+          <a:bodyPr vert="horz" lIns="91440" tIns="45720" rIns="91440" bIns="45720" rtlCol="0"/>
+          <a:lstStyle>
+            <a:lvl1pPr algn="r">
+              <a:defRPr sz="1200"/>
+            </a:lvl1pPr>
+          </a:lstStyle>
+          <a:p>
+            <a:fld id="{C4A241D5-B2AD-4D5F-A994-1A933A51D419}" type="datetimeFigureOut">
+              <a:rPr lang="en-IN" smtClean="0"/>
+              <a:t>01-04-2020</a:t>
+            </a:fld>
+            <a:endParaRPr lang="en-IN"/>
+          </a:p>
+        </p:txBody>
+      </p:sp>
+      <p:sp>
+        <p:nvSpPr>
+          <p:cNvPr id="4" name="Slide Image Placeholder 3"/>
+          <p:cNvSpPr>
+            <a:spLocks noGrp="1" noRot="1" noChangeAspect="1"/>
+          </p:cNvSpPr>
+          <p:nvPr>
+            <p:ph type="sldImg" idx="2"/>
+          </p:nvPr>
+        </p:nvSpPr>
+        <p:spPr>
+          <a:xfrm>
+            <a:off x="1371600" y="1143000"/>
+            <a:ext cx="4114800" cy="3086100"/>
+          </a:xfrm>
+          <a:prstGeom prst="rect">
+            <a:avLst/>
+          </a:prstGeom>
+          <a:noFill/>
+          <a:ln w="12700">
+            <a:solidFill>
+              <a:prstClr val="black"/>
+            </a:solidFill>
+          </a:ln>
+        </p:spPr>
+        <p:txBody>
+          <a:bodyPr vert="horz" lIns="91440" tIns="45720" rIns="91440" bIns="45720" rtlCol="0" anchor="ctr"/>
+          <a:lstStyle/>
+          <a:p>
+            <a:endParaRPr lang="en-IN"/>
+          </a:p>
+        </p:txBody>
+      </p:sp>
+      <p:sp>
+        <p:nvSpPr>
+          <p:cNvPr id="5" name="Notes Placeholder 4"/>
+          <p:cNvSpPr>
+            <a:spLocks noGrp="1"/>
+          </p:cNvSpPr>
+          <p:nvPr>
+            <p:ph type="body" sz="quarter" idx="3"/>
+          </p:nvPr>
+        </p:nvSpPr>
+        <p:spPr>
+          <a:xfrm>
+            <a:off x="685800" y="4400550"/>
+            <a:ext cx="5486400" cy="3600450"/>
+          </a:xfrm>
+          <a:prstGeom prst="rect">
+            <a:avLst/>
+          </a:prstGeom>
+        </p:spPr>
+        <p:txBody>
+          <a:bodyPr vert="horz" lIns="91440" tIns="45720" rIns="91440" bIns="45720" rtlCol="0"/>
+          <a:lstStyle/>
+          <a:p>
+            <a:pPr lvl="0"/>
+            <a:r>
+              <a:rPr lang="en-US"/>
+              <a:t>Click to edit Master text styles</a:t>
+            </a:r>
+          </a:p>
+          <a:p>
+            <a:pPr lvl="1"/>
+            <a:r>
+              <a:rPr lang="en-US"/>
+              <a:t>Second level</a:t>
+            </a:r>
+          </a:p>
+          <a:p>
+            <a:pPr lvl="2"/>
+            <a:r>
+              <a:rPr lang="en-US"/>
+              <a:t>Third level</a:t>
+            </a:r>
+          </a:p>
+          <a:p>
+            <a:pPr lvl="3"/>
+            <a:r>
+              <a:rPr lang="en-US"/>
+              <a:t>Fourth level</a:t>
+            </a:r>
+          </a:p>
+          <a:p>
+            <a:pPr lvl="4"/>
+            <a:r>
+              <a:rPr lang="en-US"/>
+              <a:t>Fifth level</a:t>
+            </a:r>
+            <a:endParaRPr lang="en-IN"/>
+          </a:p>
+        </p:txBody>
+      </p:sp>
+      <p:sp>
+        <p:nvSpPr>
+          <p:cNvPr id="6" name="Footer Placeholder 5"/>
+          <p:cNvSpPr>
+            <a:spLocks noGrp="1"/>
+          </p:cNvSpPr>
+          <p:nvPr>
+            <p:ph type="ftr" sz="quarter" idx="4"/>
+          </p:nvPr>
+        </p:nvSpPr>
+        <p:spPr>
+          <a:xfrm>
+            <a:off x="0" y="8685213"/>
+            <a:ext cx="2971800" cy="458787"/>
+          </a:xfrm>
+          <a:prstGeom prst="rect">
+            <a:avLst/>
+          </a:prstGeom>
+        </p:spPr>
+        <p:txBody>
+          <a:bodyPr vert="horz" lIns="91440" tIns="45720" rIns="91440" bIns="45720" rtlCol="0" anchor="b"/>
+          <a:lstStyle>
+            <a:lvl1pPr algn="l">
+              <a:defRPr sz="1200"/>
+            </a:lvl1pPr>
+          </a:lstStyle>
+          <a:p>
+            <a:endParaRPr lang="en-IN"/>
+          </a:p>
+        </p:txBody>
+      </p:sp>
+      <p:sp>
+        <p:nvSpPr>
+          <p:cNvPr id="7" name="Slide Number Placeholder 6"/>
+          <p:cNvSpPr>
+            <a:spLocks noGrp="1"/>
+          </p:cNvSpPr>
+          <p:nvPr>
+            <p:ph type="sldNum" sz="quarter" idx="5"/>
+          </p:nvPr>
+        </p:nvSpPr>
+        <p:spPr>
+          <a:xfrm>
+            <a:off x="3884613" y="8685213"/>
+            <a:ext cx="2971800" cy="458787"/>
+          </a:xfrm>
+          <a:prstGeom prst="rect">
+            <a:avLst/>
+          </a:prstGeom>
+        </p:spPr>
+        <p:txBody>
+          <a:bodyPr vert="horz" lIns="91440" tIns="45720" rIns="91440" bIns="45720" rtlCol="0" anchor="b"/>
+          <a:lstStyle>
+            <a:lvl1pPr algn="r">
+              <a:defRPr sz="1200"/>
+            </a:lvl1pPr>
+          </a:lstStyle>
+          <a:p>
+            <a:fld id="{DB269386-5C97-4BB0-94FD-19F7B0905ECB}" type="slidenum">
+              <a:rPr lang="en-IN" smtClean="0"/>
+              <a:t>‹#›</a:t>
+            </a:fld>
+            <a:endParaRPr lang="en-IN"/>
+          </a:p>
+        </p:txBody>
+      </p:sp>
+    </p:spTree>
+    <p:extLst>
+      <p:ext uri="{BB962C8B-B14F-4D97-AF65-F5344CB8AC3E}">
+        <p14:creationId xmlns:p14="http://schemas.microsoft.com/office/powerpoint/2010/main" val="2729037322"/>
+      </p:ext>
+    </p:extLst>
+  </p:cSld>
+  <p:clrMap bg1="lt1" tx1="dk1" bg2="lt2" tx2="dk2" accent1="accent1" accent2="accent2" accent3="accent3" accent4="accent4" accent5="accent5" accent6="accent6" hlink="hlink" folHlink="folHlink"/>
+  <p:notesStyle>
+    <a:lvl1pPr marL="0" algn="l" defTabSz="914400" rtl="0" eaLnBrk="1" latinLnBrk="0" hangingPunct="1">
+      <a:defRPr sz="1200" kern="1200">
+        <a:solidFill>
+          <a:schemeClr val="tx1"/>
+        </a:solidFill>
+        <a:latin typeface="+mn-lt"/>
+        <a:ea typeface="+mn-ea"/>
+        <a:cs typeface="+mn-cs"/>
+      </a:defRPr>
+    </a:lvl1pPr>
+    <a:lvl2pPr marL="457200" algn="l" defTabSz="914400" rtl="0" eaLnBrk="1" latinLnBrk="0" hangingPunct="1">
+      <a:defRPr sz="1200" kern="1200">
+        <a:solidFill>
+          <a:schemeClr val="tx1"/>
+        </a:solidFill>
+        <a:latin typeface="+mn-lt"/>
+        <a:ea typeface="+mn-ea"/>
+        <a:cs typeface="+mn-cs"/>
+      </a:defRPr>
+    </a:lvl2pPr>
+    <a:lvl3pPr marL="914400" algn="l" defTabSz="914400" rtl="0" eaLnBrk="1" latinLnBrk="0" hangingPunct="1">
+      <a:defRPr sz="1200" kern="1200">
+        <a:solidFill>
+          <a:schemeClr val="tx1"/>
+        </a:solidFill>
+        <a:latin typeface="+mn-lt"/>
+        <a:ea typeface="+mn-ea"/>
+        <a:cs typeface="+mn-cs"/>
+      </a:defRPr>
+    </a:lvl3pPr>
+    <a:lvl4pPr marL="1371600" algn="l" defTabSz="914400" rtl="0" eaLnBrk="1" latinLnBrk="0" hangingPunct="1">
+      <a:defRPr sz="1200" kern="1200">
+        <a:solidFill>
+          <a:schemeClr val="tx1"/>
+        </a:solidFill>
+        <a:latin typeface="+mn-lt"/>
+        <a:ea typeface="+mn-ea"/>
+        <a:cs typeface="+mn-cs"/>
+      </a:defRPr>
+    </a:lvl4pPr>
+    <a:lvl5pPr marL="1828800" algn="l" defTabSz="914400" rtl="0" eaLnBrk="1" latinLnBrk="0" hangingPunct="1">
+      <a:defRPr sz="1200" kern="1200">
+        <a:solidFill>
+          <a:schemeClr val="tx1"/>
+        </a:solidFill>
+        <a:latin typeface="+mn-lt"/>
+        <a:ea typeface="+mn-ea"/>
+        <a:cs typeface="+mn-cs"/>
+      </a:defRPr>
+    </a:lvl5pPr>
+    <a:lvl6pPr marL="2286000" algn="l" defTabSz="914400" rtl="0" eaLnBrk="1" latinLnBrk="0" hangingPunct="1">
+      <a:defRPr sz="1200" kern="1200">
+        <a:solidFill>
+          <a:schemeClr val="tx1"/>
+        </a:solidFill>
+        <a:latin typeface="+mn-lt"/>
+        <a:ea typeface="+mn-ea"/>
+        <a:cs typeface="+mn-cs"/>
+      </a:defRPr>
+    </a:lvl6pPr>
+    <a:lvl7pPr marL="2743200" algn="l" defTabSz="914400" rtl="0" eaLnBrk="1" latinLnBrk="0" hangingPunct="1">
+      <a:defRPr sz="1200" kern="1200">
+        <a:solidFill>
+          <a:schemeClr val="tx1"/>
+        </a:solidFill>
+        <a:latin typeface="+mn-lt"/>
+        <a:ea typeface="+mn-ea"/>
+        <a:cs typeface="+mn-cs"/>
+      </a:defRPr>
+    </a:lvl7pPr>
+    <a:lvl8pPr marL="3200400" algn="l" defTabSz="914400" rtl="0" eaLnBrk="1" latinLnBrk="0" hangingPunct="1">
+      <a:defRPr sz="1200" kern="1200">
+        <a:solidFill>
+          <a:schemeClr val="tx1"/>
+        </a:solidFill>
+        <a:latin typeface="+mn-lt"/>
+        <a:ea typeface="+mn-ea"/>
+        <a:cs typeface="+mn-cs"/>
+      </a:defRPr>
+    </a:lvl8pPr>
+    <a:lvl9pPr marL="3657600" algn="l" defTabSz="914400" rtl="0" eaLnBrk="1" latinLnBrk="0" hangingPunct="1">
+      <a:defRPr sz="1200" kern="1200">
+        <a:solidFill>
+          <a:schemeClr val="tx1"/>
+        </a:solidFill>
+        <a:latin typeface="+mn-lt"/>
+        <a:ea typeface="+mn-ea"/>
+        <a:cs typeface="+mn-cs"/>
+      </a:defRPr>
+    </a:lvl9pPr>
+  </p:notesStyle>
+</p:notesMaster>
+</file>
+
+<file path=ppt/notesSlides/notesSlide1.xml><?xml version="1.0" encoding="utf-8"?>
+<p:notes xmlns:a="http://schemas.openxmlformats.org/drawingml/2006/main" xmlns:r="http://schemas.openxmlformats.org/officeDocument/2006/relationships" xmlns:p="http://schemas.openxmlformats.org/presentationml/2006/main">
+  <p:cSld>
+    <p:spTree>
+      <p:nvGrpSpPr>
+        <p:cNvPr id="1" name=""/>
+        <p:cNvGrpSpPr/>
+        <p:nvPr/>
+      </p:nvGrpSpPr>
+      <p:grpSpPr>
+        <a:xfrm>
+          <a:off x="0" y="0"/>
+          <a:ext cx="0" cy="0"/>
+          <a:chOff x="0" y="0"/>
+          <a:chExt cx="0" cy="0"/>
+        </a:xfrm>
+      </p:grpSpPr>
+      <p:sp>
+        <p:nvSpPr>
+          <p:cNvPr id="2" name="Slide Image Placeholder 1"/>
+          <p:cNvSpPr>
+            <a:spLocks noGrp="1" noRot="1" noChangeAspect="1"/>
+          </p:cNvSpPr>
+          <p:nvPr>
+            <p:ph type="sldImg"/>
+          </p:nvPr>
+        </p:nvSpPr>
+        <p:spPr/>
+      </p:sp>
+      <p:sp>
+        <p:nvSpPr>
+          <p:cNvPr id="3" name="Notes Placeholder 2"/>
+          <p:cNvSpPr>
+            <a:spLocks noGrp="1"/>
+          </p:cNvSpPr>
+          <p:nvPr>
+            <p:ph type="body" idx="1"/>
+          </p:nvPr>
+        </p:nvSpPr>
+        <p:spPr/>
+        <p:txBody>
+          <a:bodyPr/>
+          <a:lstStyle/>
+          <a:p>
+            <a:endParaRPr lang="en-IN" dirty="0"/>
+          </a:p>
+        </p:txBody>
+      </p:sp>
+      <p:sp>
+        <p:nvSpPr>
+          <p:cNvPr id="4" name="Slide Number Placeholder 3"/>
+          <p:cNvSpPr>
+            <a:spLocks noGrp="1"/>
+          </p:cNvSpPr>
+          <p:nvPr>
+            <p:ph type="sldNum" sz="quarter" idx="5"/>
+          </p:nvPr>
+        </p:nvSpPr>
+        <p:spPr/>
+        <p:txBody>
+          <a:bodyPr/>
+          <a:lstStyle/>
+          <a:p>
+            <a:fld id="{DB269386-5C97-4BB0-94FD-19F7B0905ECB}" type="slidenum">
+              <a:rPr lang="en-IN" smtClean="0"/>
+              <a:t>17</a:t>
+            </a:fld>
+            <a:endParaRPr lang="en-IN"/>
+          </a:p>
+        </p:txBody>
+      </p:sp>
+    </p:spTree>
+    <p:extLst>
+      <p:ext uri="{BB962C8B-B14F-4D97-AF65-F5344CB8AC3E}">
+        <p14:creationId xmlns:p14="http://schemas.microsoft.com/office/powerpoint/2010/main" val="834225356"/>
+      </p:ext>
+    </p:extLst>
+  </p:cSld>
+  <p:clrMapOvr>
+    <a:masterClrMapping/>
+  </p:clrMapOvr>
+</p:notes>
 </file>
 
 <file path=ppt/slideLayouts/slideLayout1.xml><?xml version="1.0" encoding="utf-8"?>
@@ -192,7 +645,7 @@
           </a:lstStyle>
           <a:p>
             <a:r>
-              <a:rPr lang="en-US" smtClean="0"/>
+              <a:rPr lang="en-US"/>
               <a:t>Click to edit Master title style</a:t>
             </a:r>
             <a:endParaRPr lang="en-US" dirty="0"/>
@@ -313,7 +766,7 @@
           </a:lstStyle>
           <a:p>
             <a:r>
-              <a:rPr lang="en-US" smtClean="0"/>
+              <a:rPr lang="en-US"/>
               <a:t>Click to edit Master subtitle style</a:t>
             </a:r>
             <a:endParaRPr lang="en-US" dirty="0"/>
@@ -337,7 +790,7 @@
           <a:p>
             <a:fld id="{2B074AF0-6E2B-47C0-B1CC-428EF7953BA6}" type="datetimeFigureOut">
               <a:rPr lang="en-US" smtClean="0"/>
-              <a:t>3/26/2020</a:t>
+              <a:t>4/1/2020</a:t>
             </a:fld>
             <a:endParaRPr lang="en-US"/>
           </a:p>
@@ -426,10 +879,9 @@
           <a:lstStyle/>
           <a:p>
             <a:r>
-              <a:rPr lang="en-US" smtClean="0"/>
+              <a:rPr lang="en-US"/>
               <a:t>Click to edit Master title style</a:t>
             </a:r>
-            <a:endParaRPr lang="en-US"/>
           </a:p>
         </p:txBody>
       </p:sp>
@@ -450,38 +902,37 @@
           <a:p>
             <a:pPr lvl="0"/>
             <a:r>
-              <a:rPr lang="en-US" smtClean="0"/>
+              <a:rPr lang="en-US"/>
               <a:t>Click to edit Master text styles</a:t>
             </a:r>
           </a:p>
           <a:p>
             <a:pPr lvl="1"/>
             <a:r>
-              <a:rPr lang="en-US" smtClean="0"/>
+              <a:rPr lang="en-US"/>
               <a:t>Second level</a:t>
             </a:r>
           </a:p>
           <a:p>
             <a:pPr lvl="2"/>
             <a:r>
-              <a:rPr lang="en-US" smtClean="0"/>
+              <a:rPr lang="en-US"/>
               <a:t>Third level</a:t>
             </a:r>
           </a:p>
           <a:p>
             <a:pPr lvl="3"/>
             <a:r>
-              <a:rPr lang="en-US" smtClean="0"/>
+              <a:rPr lang="en-US"/>
               <a:t>Fourth level</a:t>
             </a:r>
           </a:p>
           <a:p>
             <a:pPr lvl="4"/>
             <a:r>
-              <a:rPr lang="en-US" smtClean="0"/>
+              <a:rPr lang="en-US"/>
               <a:t>Fifth level</a:t>
             </a:r>
-            <a:endParaRPr lang="en-US"/>
           </a:p>
         </p:txBody>
       </p:sp>
@@ -502,7 +953,7 @@
           <a:p>
             <a:fld id="{2B074AF0-6E2B-47C0-B1CC-428EF7953BA6}" type="datetimeFigureOut">
               <a:rPr lang="en-US" smtClean="0"/>
-              <a:t>3/26/2020</a:t>
+              <a:t>4/1/2020</a:t>
             </a:fld>
             <a:endParaRPr lang="en-US"/>
           </a:p>
@@ -596,7 +1047,7 @@
           <a:lstStyle/>
           <a:p>
             <a:r>
-              <a:rPr lang="en-US" smtClean="0"/>
+              <a:rPr lang="en-US"/>
               <a:t>Click to edit Master title style</a:t>
             </a:r>
             <a:endParaRPr lang="en-US" dirty="0"/>
@@ -625,38 +1076,37 @@
           <a:p>
             <a:pPr lvl="0"/>
             <a:r>
-              <a:rPr lang="en-US" smtClean="0"/>
+              <a:rPr lang="en-US"/>
               <a:t>Click to edit Master text styles</a:t>
             </a:r>
           </a:p>
           <a:p>
             <a:pPr lvl="1"/>
             <a:r>
-              <a:rPr lang="en-US" smtClean="0"/>
+              <a:rPr lang="en-US"/>
               <a:t>Second level</a:t>
             </a:r>
           </a:p>
           <a:p>
             <a:pPr lvl="2"/>
             <a:r>
-              <a:rPr lang="en-US" smtClean="0"/>
+              <a:rPr lang="en-US"/>
               <a:t>Third level</a:t>
             </a:r>
           </a:p>
           <a:p>
             <a:pPr lvl="3"/>
             <a:r>
-              <a:rPr lang="en-US" smtClean="0"/>
+              <a:rPr lang="en-US"/>
               <a:t>Fourth level</a:t>
             </a:r>
           </a:p>
           <a:p>
             <a:pPr lvl="4"/>
             <a:r>
-              <a:rPr lang="en-US" smtClean="0"/>
+              <a:rPr lang="en-US"/>
               <a:t>Fifth level</a:t>
             </a:r>
-            <a:endParaRPr lang="en-US"/>
           </a:p>
         </p:txBody>
       </p:sp>
@@ -677,7 +1127,7 @@
           <a:p>
             <a:fld id="{2B074AF0-6E2B-47C0-B1CC-428EF7953BA6}" type="datetimeFigureOut">
               <a:rPr lang="en-US" smtClean="0"/>
-              <a:t>3/26/2020</a:t>
+              <a:t>4/1/2020</a:t>
             </a:fld>
             <a:endParaRPr lang="en-US"/>
           </a:p>
@@ -766,10 +1216,9 @@
           <a:lstStyle/>
           <a:p>
             <a:r>
-              <a:rPr lang="en-US" smtClean="0"/>
+              <a:rPr lang="en-US"/>
               <a:t>Click to edit Master title style</a:t>
             </a:r>
-            <a:endParaRPr lang="en-US"/>
           </a:p>
         </p:txBody>
       </p:sp>
@@ -790,38 +1239,37 @@
           <a:p>
             <a:pPr lvl="0"/>
             <a:r>
-              <a:rPr lang="en-US" smtClean="0"/>
+              <a:rPr lang="en-US"/>
               <a:t>Click to edit Master text styles</a:t>
             </a:r>
           </a:p>
           <a:p>
             <a:pPr lvl="1"/>
             <a:r>
-              <a:rPr lang="en-US" smtClean="0"/>
+              <a:rPr lang="en-US"/>
               <a:t>Second level</a:t>
             </a:r>
           </a:p>
           <a:p>
             <a:pPr lvl="2"/>
             <a:r>
-              <a:rPr lang="en-US" smtClean="0"/>
+              <a:rPr lang="en-US"/>
               <a:t>Third level</a:t>
             </a:r>
           </a:p>
           <a:p>
             <a:pPr lvl="3"/>
             <a:r>
-              <a:rPr lang="en-US" smtClean="0"/>
+              <a:rPr lang="en-US"/>
               <a:t>Fourth level</a:t>
             </a:r>
           </a:p>
           <a:p>
             <a:pPr lvl="4"/>
             <a:r>
-              <a:rPr lang="en-US" smtClean="0"/>
+              <a:rPr lang="en-US"/>
               <a:t>Fifth level</a:t>
             </a:r>
-            <a:endParaRPr lang="en-US"/>
           </a:p>
         </p:txBody>
       </p:sp>
@@ -842,7 +1290,7 @@
           <a:p>
             <a:fld id="{2B074AF0-6E2B-47C0-B1CC-428EF7953BA6}" type="datetimeFigureOut">
               <a:rPr lang="en-US" smtClean="0"/>
-              <a:t>3/26/2020</a:t>
+              <a:t>4/1/2020</a:t>
             </a:fld>
             <a:endParaRPr lang="en-US"/>
           </a:p>
@@ -940,7 +1388,7 @@
           </a:lstStyle>
           <a:p>
             <a:r>
-              <a:rPr lang="en-US" smtClean="0"/>
+              <a:rPr lang="en-US"/>
               <a:t>Click to edit Master title style</a:t>
             </a:r>
             <a:endParaRPr lang="en-US" dirty="0"/>
@@ -1060,7 +1508,7 @@
           <a:p>
             <a:pPr lvl="0"/>
             <a:r>
-              <a:rPr lang="en-US" smtClean="0"/>
+              <a:rPr lang="en-US"/>
               <a:t>Click to edit Master text styles</a:t>
             </a:r>
           </a:p>
@@ -1083,7 +1531,7 @@
           <a:p>
             <a:fld id="{2B074AF0-6E2B-47C0-B1CC-428EF7953BA6}" type="datetimeFigureOut">
               <a:rPr lang="en-US" smtClean="0"/>
-              <a:t>3/26/2020</a:t>
+              <a:t>4/1/2020</a:t>
             </a:fld>
             <a:endParaRPr lang="en-US"/>
           </a:p>
@@ -1172,10 +1620,9 @@
           <a:lstStyle/>
           <a:p>
             <a:r>
-              <a:rPr lang="en-US" smtClean="0"/>
+              <a:rPr lang="en-US"/>
               <a:t>Click to edit Master title style</a:t>
             </a:r>
-            <a:endParaRPr lang="en-US"/>
           </a:p>
         </p:txBody>
       </p:sp>
@@ -1229,35 +1676,35 @@
           <a:p>
             <a:pPr lvl="0"/>
             <a:r>
-              <a:rPr lang="en-US" smtClean="0"/>
+              <a:rPr lang="en-US"/>
               <a:t>Click to edit Master text styles</a:t>
             </a:r>
           </a:p>
           <a:p>
             <a:pPr lvl="1"/>
             <a:r>
-              <a:rPr lang="en-US" smtClean="0"/>
+              <a:rPr lang="en-US"/>
               <a:t>Second level</a:t>
             </a:r>
           </a:p>
           <a:p>
             <a:pPr lvl="2"/>
             <a:r>
-              <a:rPr lang="en-US" smtClean="0"/>
+              <a:rPr lang="en-US"/>
               <a:t>Third level</a:t>
             </a:r>
           </a:p>
           <a:p>
             <a:pPr lvl="3"/>
             <a:r>
-              <a:rPr lang="en-US" smtClean="0"/>
+              <a:rPr lang="en-US"/>
               <a:t>Fourth level</a:t>
             </a:r>
           </a:p>
           <a:p>
             <a:pPr lvl="4"/>
             <a:r>
-              <a:rPr lang="en-US" smtClean="0"/>
+              <a:rPr lang="en-US"/>
               <a:t>Fifth level</a:t>
             </a:r>
             <a:endParaRPr lang="en-US" dirty="0"/>
@@ -1314,35 +1761,35 @@
           <a:p>
             <a:pPr lvl="0"/>
             <a:r>
-              <a:rPr lang="en-US" smtClean="0"/>
+              <a:rPr lang="en-US"/>
               <a:t>Click to edit Master text styles</a:t>
             </a:r>
           </a:p>
           <a:p>
             <a:pPr lvl="1"/>
             <a:r>
-              <a:rPr lang="en-US" smtClean="0"/>
+              <a:rPr lang="en-US"/>
               <a:t>Second level</a:t>
             </a:r>
           </a:p>
           <a:p>
             <a:pPr lvl="2"/>
             <a:r>
-              <a:rPr lang="en-US" smtClean="0"/>
+              <a:rPr lang="en-US"/>
               <a:t>Third level</a:t>
             </a:r>
           </a:p>
           <a:p>
             <a:pPr lvl="3"/>
             <a:r>
-              <a:rPr lang="en-US" smtClean="0"/>
+              <a:rPr lang="en-US"/>
               <a:t>Fourth level</a:t>
             </a:r>
           </a:p>
           <a:p>
             <a:pPr lvl="4"/>
             <a:r>
-              <a:rPr lang="en-US" smtClean="0"/>
+              <a:rPr lang="en-US"/>
               <a:t>Fifth level</a:t>
             </a:r>
             <a:endParaRPr lang="en-US" dirty="0"/>
@@ -1366,7 +1813,7 @@
           <a:p>
             <a:fld id="{2B074AF0-6E2B-47C0-B1CC-428EF7953BA6}" type="datetimeFigureOut">
               <a:rPr lang="en-US" smtClean="0"/>
-              <a:t>3/26/2020</a:t>
+              <a:t>4/1/2020</a:t>
             </a:fld>
             <a:endParaRPr lang="en-US"/>
           </a:p>
@@ -1459,10 +1906,9 @@
           </a:lstStyle>
           <a:p>
             <a:r>
-              <a:rPr lang="en-US" smtClean="0"/>
+              <a:rPr lang="en-US"/>
               <a:t>Click to edit Master title style</a:t>
             </a:r>
-            <a:endParaRPr lang="en-US"/>
           </a:p>
         </p:txBody>
       </p:sp>
@@ -1531,7 +1977,7 @@
           <a:p>
             <a:pPr lvl="0"/>
             <a:r>
-              <a:rPr lang="en-US" smtClean="0"/>
+              <a:rPr lang="en-US"/>
               <a:t>Click to edit Master text styles</a:t>
             </a:r>
           </a:p>
@@ -1587,35 +2033,35 @@
           <a:p>
             <a:pPr lvl="0"/>
             <a:r>
-              <a:rPr lang="en-US" smtClean="0"/>
+              <a:rPr lang="en-US"/>
               <a:t>Click to edit Master text styles</a:t>
             </a:r>
           </a:p>
           <a:p>
             <a:pPr lvl="1"/>
             <a:r>
-              <a:rPr lang="en-US" smtClean="0"/>
+              <a:rPr lang="en-US"/>
               <a:t>Second level</a:t>
             </a:r>
           </a:p>
           <a:p>
             <a:pPr lvl="2"/>
             <a:r>
-              <a:rPr lang="en-US" smtClean="0"/>
+              <a:rPr lang="en-US"/>
               <a:t>Third level</a:t>
             </a:r>
           </a:p>
           <a:p>
             <a:pPr lvl="3"/>
             <a:r>
-              <a:rPr lang="en-US" smtClean="0"/>
+              <a:rPr lang="en-US"/>
               <a:t>Fourth level</a:t>
             </a:r>
           </a:p>
           <a:p>
             <a:pPr lvl="4"/>
             <a:r>
-              <a:rPr lang="en-US" smtClean="0"/>
+              <a:rPr lang="en-US"/>
               <a:t>Fifth level</a:t>
             </a:r>
             <a:endParaRPr lang="en-US" dirty="0"/>
@@ -1687,7 +2133,7 @@
           <a:p>
             <a:pPr lvl="0"/>
             <a:r>
-              <a:rPr lang="en-US" smtClean="0"/>
+              <a:rPr lang="en-US"/>
               <a:t>Click to edit Master text styles</a:t>
             </a:r>
           </a:p>
@@ -1743,38 +2189,37 @@
           <a:p>
             <a:pPr lvl="0"/>
             <a:r>
-              <a:rPr lang="en-US" smtClean="0"/>
+              <a:rPr lang="en-US"/>
               <a:t>Click to edit Master text styles</a:t>
             </a:r>
           </a:p>
           <a:p>
             <a:pPr lvl="1"/>
             <a:r>
-              <a:rPr lang="en-US" smtClean="0"/>
+              <a:rPr lang="en-US"/>
               <a:t>Second level</a:t>
             </a:r>
           </a:p>
           <a:p>
             <a:pPr lvl="2"/>
             <a:r>
-              <a:rPr lang="en-US" smtClean="0"/>
+              <a:rPr lang="en-US"/>
               <a:t>Third level</a:t>
             </a:r>
           </a:p>
           <a:p>
             <a:pPr lvl="3"/>
             <a:r>
-              <a:rPr lang="en-US" smtClean="0"/>
+              <a:rPr lang="en-US"/>
               <a:t>Fourth level</a:t>
             </a:r>
           </a:p>
           <a:p>
             <a:pPr lvl="4"/>
             <a:r>
-              <a:rPr lang="en-US" smtClean="0"/>
+              <a:rPr lang="en-US"/>
               <a:t>Fifth level</a:t>
             </a:r>
-            <a:endParaRPr lang="en-US"/>
           </a:p>
         </p:txBody>
       </p:sp>
@@ -1795,7 +2240,7 @@
           <a:p>
             <a:fld id="{2B074AF0-6E2B-47C0-B1CC-428EF7953BA6}" type="datetimeFigureOut">
               <a:rPr lang="en-US" smtClean="0"/>
-              <a:t>3/26/2020</a:t>
+              <a:t>4/1/2020</a:t>
             </a:fld>
             <a:endParaRPr lang="en-US"/>
           </a:p>
@@ -1884,10 +2329,9 @@
           <a:lstStyle/>
           <a:p>
             <a:r>
-              <a:rPr lang="en-US" smtClean="0"/>
+              <a:rPr lang="en-US"/>
               <a:t>Click to edit Master title style</a:t>
             </a:r>
-            <a:endParaRPr lang="en-US"/>
           </a:p>
         </p:txBody>
       </p:sp>
@@ -1908,7 +2352,7 @@
           <a:p>
             <a:fld id="{2B074AF0-6E2B-47C0-B1CC-428EF7953BA6}" type="datetimeFigureOut">
               <a:rPr lang="en-US" smtClean="0"/>
-              <a:t>3/26/2020</a:t>
+              <a:t>4/1/2020</a:t>
             </a:fld>
             <a:endParaRPr lang="en-US"/>
           </a:p>
@@ -1998,7 +2442,7 @@
           <a:p>
             <a:fld id="{2B074AF0-6E2B-47C0-B1CC-428EF7953BA6}" type="datetimeFigureOut">
               <a:rPr lang="en-US" smtClean="0"/>
-              <a:t>3/26/2020</a:t>
+              <a:t>4/1/2020</a:t>
             </a:fld>
             <a:endParaRPr lang="en-US"/>
           </a:p>
@@ -2096,7 +2540,7 @@
           </a:lstStyle>
           <a:p>
             <a:r>
-              <a:rPr lang="en-US" smtClean="0"/>
+              <a:rPr lang="en-US"/>
               <a:t>Click to edit Master title style</a:t>
             </a:r>
             <a:endParaRPr lang="en-US" dirty="0"/>
@@ -2164,7 +2608,7 @@
           <a:p>
             <a:pPr lvl="0"/>
             <a:r>
-              <a:rPr lang="en-US" smtClean="0"/>
+              <a:rPr lang="en-US"/>
               <a:t>Click to edit Master text styles</a:t>
             </a:r>
           </a:p>
@@ -2187,7 +2631,7 @@
           <a:p>
             <a:fld id="{2B074AF0-6E2B-47C0-B1CC-428EF7953BA6}" type="datetimeFigureOut">
               <a:rPr lang="en-US" smtClean="0"/>
-              <a:t>3/26/2020</a:t>
+              <a:t>4/1/2020</a:t>
             </a:fld>
             <a:endParaRPr lang="en-US"/>
           </a:p>
@@ -2257,38 +2701,37 @@
           <a:p>
             <a:pPr lvl="0"/>
             <a:r>
-              <a:rPr lang="en-US" smtClean="0"/>
+              <a:rPr lang="en-US"/>
               <a:t>Click to edit Master text styles</a:t>
             </a:r>
           </a:p>
           <a:p>
             <a:pPr lvl="1"/>
             <a:r>
-              <a:rPr lang="en-US" smtClean="0"/>
+              <a:rPr lang="en-US"/>
               <a:t>Second level</a:t>
             </a:r>
           </a:p>
           <a:p>
             <a:pPr lvl="2"/>
             <a:r>
-              <a:rPr lang="en-US" smtClean="0"/>
+              <a:rPr lang="en-US"/>
               <a:t>Third level</a:t>
             </a:r>
           </a:p>
           <a:p>
             <a:pPr lvl="3"/>
             <a:r>
-              <a:rPr lang="en-US" smtClean="0"/>
+              <a:rPr lang="en-US"/>
               <a:t>Fourth level</a:t>
             </a:r>
           </a:p>
           <a:p>
             <a:pPr lvl="4"/>
             <a:r>
-              <a:rPr lang="en-US" smtClean="0"/>
+              <a:rPr lang="en-US"/>
               <a:t>Fifth level</a:t>
             </a:r>
-            <a:endParaRPr lang="en-US"/>
           </a:p>
         </p:txBody>
       </p:sp>
@@ -2349,7 +2792,7 @@
           </a:lstStyle>
           <a:p>
             <a:r>
-              <a:rPr lang="en-US" smtClean="0"/>
+              <a:rPr lang="en-US"/>
               <a:t>Click to edit Master title style</a:t>
             </a:r>
             <a:endParaRPr lang="en-US" dirty="0"/>
@@ -2414,7 +2857,7 @@
           </a:lstStyle>
           <a:p>
             <a:r>
-              <a:rPr lang="en-US" smtClean="0"/>
+              <a:rPr lang="en-US"/>
               <a:t>Click icon to add picture</a:t>
             </a:r>
             <a:endParaRPr lang="en-US" dirty="0"/>
@@ -2482,7 +2925,7 @@
           <a:p>
             <a:pPr lvl="0"/>
             <a:r>
-              <a:rPr lang="en-US" smtClean="0"/>
+              <a:rPr lang="en-US"/>
               <a:t>Click to edit Master text styles</a:t>
             </a:r>
           </a:p>
@@ -2505,7 +2948,7 @@
           <a:p>
             <a:fld id="{2B074AF0-6E2B-47C0-B1CC-428EF7953BA6}" type="datetimeFigureOut">
               <a:rPr lang="en-US" smtClean="0"/>
-              <a:t>3/26/2020</a:t>
+              <a:t>4/1/2020</a:t>
             </a:fld>
             <a:endParaRPr lang="en-US"/>
           </a:p>
@@ -2609,7 +3052,7 @@
           <a:lstStyle/>
           <a:p>
             <a:r>
-              <a:rPr lang="en-US" smtClean="0"/>
+              <a:rPr lang="en-US"/>
               <a:t>Click to edit Master title style</a:t>
             </a:r>
             <a:endParaRPr lang="en-US" dirty="0"/>
@@ -2643,35 +3086,35 @@
           <a:p>
             <a:pPr lvl="0"/>
             <a:r>
-              <a:rPr lang="en-US" smtClean="0"/>
+              <a:rPr lang="en-US"/>
               <a:t>Click to edit Master text styles</a:t>
             </a:r>
           </a:p>
           <a:p>
             <a:pPr lvl="1"/>
             <a:r>
-              <a:rPr lang="en-US" smtClean="0"/>
+              <a:rPr lang="en-US"/>
               <a:t>Second level</a:t>
             </a:r>
           </a:p>
           <a:p>
             <a:pPr lvl="2"/>
             <a:r>
-              <a:rPr lang="en-US" smtClean="0"/>
+              <a:rPr lang="en-US"/>
               <a:t>Third level</a:t>
             </a:r>
           </a:p>
           <a:p>
             <a:pPr lvl="3"/>
             <a:r>
-              <a:rPr lang="en-US" smtClean="0"/>
+              <a:rPr lang="en-US"/>
               <a:t>Fourth level</a:t>
             </a:r>
           </a:p>
           <a:p>
             <a:pPr lvl="4"/>
             <a:r>
-              <a:rPr lang="en-US" smtClean="0"/>
+              <a:rPr lang="en-US"/>
               <a:t>Fifth level</a:t>
             </a:r>
             <a:endParaRPr lang="en-US" dirty="0"/>
@@ -2884,7 +3327,7 @@
           <a:p>
             <a:fld id="{2B074AF0-6E2B-47C0-B1CC-428EF7953BA6}" type="datetimeFigureOut">
               <a:rPr lang="en-US" smtClean="0"/>
-              <a:t>3/26/2020</a:t>
+              <a:t>4/1/2020</a:t>
             </a:fld>
             <a:endParaRPr lang="en-US"/>
           </a:p>
@@ -3266,13 +3709,6 @@
   <p:clrMapOvr>
     <a:masterClrMapping/>
   </p:clrMapOvr>
-  <p:timing>
-    <p:tnLst>
-      <p:par>
-        <p:cTn id="1" dur="indefinite" restart="never" nodeType="tmRoot"/>
-      </p:par>
-    </p:tnLst>
-  </p:timing>
 </p:sld>
 </file>
 
@@ -3309,10 +3745,9 @@
           <a:lstStyle/>
           <a:p>
             <a:r>
-              <a:rPr lang="en-US" dirty="0" smtClean="0"/>
+              <a:rPr lang="en-US" dirty="0"/>
               <a:t>Role of SMI</a:t>
             </a:r>
-            <a:endParaRPr lang="en-US" dirty="0"/>
           </a:p>
         </p:txBody>
       </p:sp>
@@ -3337,7 +3772,7 @@
           <a:lstStyle/>
           <a:p>
             <a:r>
-              <a:rPr lang="en-US" dirty="0" smtClean="0"/>
+              <a:rPr lang="en-US" dirty="0"/>
               <a:t>Define rules for naming objects, defining object type, and showing how to encode objects and values.</a:t>
             </a:r>
           </a:p>
@@ -3369,7 +3804,7 @@
           <a:lstStyle/>
           <a:p>
             <a:r>
-              <a:rPr lang="en-US" sz="4400" dirty="0" smtClean="0"/>
+              <a:rPr lang="en-US" sz="4400" dirty="0"/>
               <a:t>Role of MIB</a:t>
             </a:r>
           </a:p>
@@ -3379,20 +3814,8 @@
               <a:buChar char="•"/>
             </a:pPr>
             <a:r>
-              <a:rPr lang="en-US" sz="2200" dirty="0" err="1" smtClean="0"/>
-              <a:t>Mib</a:t>
-            </a:r>
-            <a:r>
-              <a:rPr lang="en-US" sz="2200" dirty="0" smtClean="0"/>
-              <a:t> creates a collection of named </a:t>
-            </a:r>
-            <a:r>
-              <a:rPr lang="en-US" sz="2200" dirty="0" err="1" smtClean="0"/>
-              <a:t>objects,name</a:t>
-            </a:r>
-            <a:r>
-              <a:rPr lang="en-US" sz="2200" dirty="0" smtClean="0"/>
-              <a:t> them according to the rules defined by SMI </a:t>
+              <a:rPr lang="en-US" sz="2200" dirty="0"/>
+              <a:t>MIB creates a collection of named objects, names them according to the rules defined by SMI. </a:t>
             </a:r>
           </a:p>
           <a:p>
@@ -3401,10 +3824,9 @@
               <a:buChar char="•"/>
             </a:pPr>
             <a:r>
-              <a:rPr lang="en-US" sz="2200" dirty="0" smtClean="0"/>
-              <a:t>MIB creates a collection of named object ,their types and their relationships to each other in an entity to be managed </a:t>
-            </a:r>
-            <a:endParaRPr lang="en-US" sz="2200" dirty="0"/>
+              <a:rPr lang="en-US" sz="2200" dirty="0"/>
+              <a:t>MIB creates a collection of named objects, their types and their relationships to each other in an entity to be managed. </a:t>
+            </a:r>
           </a:p>
         </p:txBody>
       </p:sp>
@@ -3418,13 +3840,6 @@
   <p:clrMapOvr>
     <a:masterClrMapping/>
   </p:clrMapOvr>
-  <p:timing>
-    <p:tnLst>
-      <p:par>
-        <p:cTn id="1" dur="indefinite" restart="never" nodeType="tmRoot"/>
-      </p:par>
-    </p:tnLst>
-  </p:timing>
 </p:sld>
 </file>
 
@@ -3461,10 +3876,9 @@
           <a:lstStyle/>
           <a:p>
             <a:r>
-              <a:rPr lang="en-US" dirty="0" smtClean="0"/>
+              <a:rPr lang="en-US" dirty="0"/>
               <a:t>To understand more </a:t>
             </a:r>
-            <a:endParaRPr lang="en-US" dirty="0"/>
           </a:p>
         </p:txBody>
       </p:sp>
@@ -3487,11 +3901,7 @@
           <a:p>
             <a:r>
               <a:rPr lang="en-US" sz="2400" dirty="0"/>
-              <a:t>We can compare the task of network management to the task of writing a program</a:t>
-            </a:r>
-            <a:r>
-              <a:rPr lang="en-US" sz="2400" dirty="0" smtClean="0"/>
-              <a:t>.</a:t>
+              <a:t>We can compare the task of network management to the task of writing a program.</a:t>
             </a:r>
           </a:p>
           <a:p>
@@ -3500,36 +3910,22 @@
           <a:p>
             <a:pPr lvl="1"/>
             <a:r>
-              <a:rPr lang="en-US" sz="2400" dirty="0" smtClean="0"/>
-              <a:t> </a:t>
-            </a:r>
-            <a:r>
               <a:rPr lang="en-US" sz="2400" dirty="0"/>
-              <a:t>❏ Both tasks need rules. In network management this is handled by SMI. </a:t>
-            </a:r>
-            <a:endParaRPr lang="en-US" sz="2400" dirty="0" smtClean="0"/>
+              <a:t> ❏ Both tasks need rules. In network management this is handled by SMI. </a:t>
+            </a:r>
           </a:p>
           <a:p>
             <a:pPr lvl="1"/>
             <a:r>
-              <a:rPr lang="en-US" sz="2400" dirty="0" smtClean="0"/>
-              <a:t>❏ </a:t>
-            </a:r>
-            <a:r>
               <a:rPr lang="en-US" sz="2400" dirty="0"/>
-              <a:t>Both tasks need variable declarations. In network management this is handled by MIB. </a:t>
-            </a:r>
-            <a:endParaRPr lang="en-US" sz="2400" dirty="0" smtClean="0"/>
+              <a:t>❏ Both tasks need variable declarations. In network management this is handled by MIB. </a:t>
+            </a:r>
           </a:p>
           <a:p>
             <a:pPr lvl="1"/>
             <a:r>
-              <a:rPr lang="en-US" sz="2400" dirty="0" smtClean="0"/>
-              <a:t>❏ </a:t>
-            </a:r>
-            <a:r>
               <a:rPr lang="en-US" sz="2400" dirty="0"/>
-              <a:t>Both tasks have actions performed by statements. In network management this is handled by SNMP.</a:t>
+              <a:t>❏ Both tasks have actions performed by statements. In network management this is handled by SNMP.</a:t>
             </a:r>
           </a:p>
         </p:txBody>
@@ -3544,13 +3940,6 @@
   <p:clrMapOvr>
     <a:masterClrMapping/>
   </p:clrMapOvr>
-  <p:timing>
-    <p:tnLst>
-      <p:par>
-        <p:cTn id="1" dur="indefinite" restart="never" nodeType="tmRoot"/>
-      </p:par>
-    </p:tnLst>
-  </p:timing>
 </p:sld>
 </file>
 
@@ -3587,10 +3976,9 @@
           <a:lstStyle/>
           <a:p>
             <a:r>
-              <a:rPr lang="en-US" dirty="0" smtClean="0"/>
+              <a:rPr lang="en-US" dirty="0"/>
               <a:t>SMI in detail</a:t>
             </a:r>
-            <a:endParaRPr lang="en-US" dirty="0"/>
           </a:p>
         </p:txBody>
       </p:sp>
@@ -3615,44 +4003,36 @@
           <a:lstStyle/>
           <a:p>
             <a:r>
-              <a:rPr lang="en-US" dirty="0" smtClean="0"/>
+              <a:rPr lang="en-US" dirty="0"/>
               <a:t>SMI v2 is a component for network management. Its function are</a:t>
             </a:r>
           </a:p>
           <a:p>
             <a:pPr lvl="1"/>
             <a:r>
-              <a:rPr lang="en-US" dirty="0" smtClean="0"/>
+              <a:rPr lang="en-US" dirty="0"/>
               <a:t>To name objects.</a:t>
             </a:r>
           </a:p>
           <a:p>
             <a:pPr lvl="1"/>
             <a:r>
-              <a:rPr lang="en-US" dirty="0" smtClean="0"/>
+              <a:rPr lang="en-US" dirty="0"/>
               <a:t>To define the type of data that can be stored in an object.</a:t>
             </a:r>
           </a:p>
           <a:p>
             <a:pPr lvl="1"/>
             <a:r>
-              <a:rPr lang="en-US" dirty="0" smtClean="0"/>
+              <a:rPr lang="en-US" dirty="0"/>
               <a:t>To show how to encode data for transmission over the network.</a:t>
             </a:r>
           </a:p>
           <a:p>
             <a:pPr lvl="1"/>
             <a:r>
-              <a:rPr lang="en-US" dirty="0" smtClean="0"/>
-              <a:t>SMI is a guideline for </a:t>
-            </a:r>
-            <a:r>
-              <a:rPr lang="en-US" dirty="0" err="1" smtClean="0"/>
-              <a:t>SNMP,its</a:t>
-            </a:r>
-            <a:r>
-              <a:rPr lang="en-US" dirty="0" smtClean="0"/>
-              <a:t> emphasize 3 attributes to handle an object :name ,datatype, encoding method .</a:t>
+              <a:rPr lang="en-US" dirty="0"/>
+              <a:t>SMI is a guideline for SNMP, it emphasizes 3 attributes to handle an object: name ,datatype, encoding method.</a:t>
             </a:r>
           </a:p>
           <a:p>
@@ -3716,13 +4096,6 @@
   <p:clrMapOvr>
     <a:masterClrMapping/>
   </p:clrMapOvr>
-  <p:timing>
-    <p:tnLst>
-      <p:par>
-        <p:cTn id="1" dur="indefinite" restart="never" nodeType="tmRoot"/>
-      </p:par>
-    </p:tnLst>
-  </p:timing>
 </p:sld>
 </file>
 
@@ -3759,10 +4132,9 @@
           <a:lstStyle/>
           <a:p>
             <a:r>
-              <a:rPr lang="en-US" dirty="0" smtClean="0"/>
+              <a:rPr lang="en-US" dirty="0"/>
               <a:t>Name</a:t>
             </a:r>
-            <a:endParaRPr lang="en-US" dirty="0"/>
           </a:p>
         </p:txBody>
       </p:sp>
@@ -3787,44 +4159,27 @@
           <a:lstStyle/>
           <a:p>
             <a:r>
-              <a:rPr lang="en-US" dirty="0" smtClean="0"/>
+              <a:rPr lang="en-US" dirty="0"/>
               <a:t>To name objects globally, SMI uses an object identifier, which is hierarchical.</a:t>
             </a:r>
           </a:p>
           <a:p>
             <a:r>
-              <a:rPr lang="en-US" dirty="0" smtClean="0"/>
-              <a:t>Starts with an unnamed root.(</a:t>
-            </a:r>
-            <a:r>
-              <a:rPr lang="en-US" dirty="0" err="1" smtClean="0"/>
-              <a:t>nxt</a:t>
-            </a:r>
-            <a:r>
-              <a:rPr lang="en-US" dirty="0" smtClean="0"/>
-              <a:t> slide)</a:t>
-            </a:r>
-          </a:p>
-          <a:p>
-            <a:r>
-              <a:rPr lang="en-US" dirty="0" smtClean="0"/>
+              <a:rPr lang="en-US" dirty="0"/>
+              <a:t>Starts with an unnamed root (next slide). </a:t>
+            </a:r>
+          </a:p>
+          <a:p>
+            <a:r>
+              <a:rPr lang="en-US" dirty="0"/>
               <a:t>Each object can be defined by using a sequence of integer separated by dots.</a:t>
             </a:r>
           </a:p>
           <a:p>
             <a:r>
-              <a:rPr lang="en-US" dirty="0" smtClean="0"/>
-              <a:t>The tree structure can also define an object by using a </a:t>
-            </a:r>
-            <a:r>
-              <a:rPr lang="en-US" dirty="0"/>
-              <a:t>sequence of </a:t>
-            </a:r>
-            <a:r>
-              <a:rPr lang="en-US" dirty="0" smtClean="0"/>
-              <a:t>textual names separated by dots.</a:t>
-            </a:r>
-            <a:endParaRPr lang="en-US" dirty="0"/>
+              <a:rPr lang="en-US" dirty="0"/>
+              <a:t>The tree structure can also define an object by using a sequence of textual names separated by dots.</a:t>
+            </a:r>
           </a:p>
         </p:txBody>
       </p:sp>
@@ -3838,13 +4193,6 @@
   <p:clrMapOvr>
     <a:masterClrMapping/>
   </p:clrMapOvr>
-  <p:timing>
-    <p:tnLst>
-      <p:par>
-        <p:cTn id="1" dur="indefinite" restart="never" nodeType="tmRoot"/>
-      </p:par>
-    </p:tnLst>
-  </p:timing>
 </p:sld>
 </file>
 
@@ -3937,13 +4285,6 @@
   <p:clrMapOvr>
     <a:masterClrMapping/>
   </p:clrMapOvr>
-  <p:timing>
-    <p:tnLst>
-      <p:par>
-        <p:cTn id="1" dur="indefinite" restart="never" nodeType="tmRoot"/>
-      </p:par>
-    </p:tnLst>
-  </p:timing>
 </p:sld>
 </file>
 
@@ -3964,25 +4305,6 @@
           <a:chExt cx="0" cy="0"/>
         </a:xfrm>
       </p:grpSpPr>
-      <p:sp>
-        <p:nvSpPr>
-          <p:cNvPr id="2" name="Title 1"/>
-          <p:cNvSpPr>
-            <a:spLocks noGrp="1"/>
-          </p:cNvSpPr>
-          <p:nvPr>
-            <p:ph type="title"/>
-          </p:nvPr>
-        </p:nvSpPr>
-        <p:spPr/>
-        <p:txBody>
-          <a:bodyPr/>
-          <a:lstStyle/>
-          <a:p>
-            <a:endParaRPr lang="en-US"/>
-          </a:p>
-        </p:txBody>
-      </p:sp>
       <p:pic>
         <p:nvPicPr>
           <p:cNvPr id="3074" name="Picture 2" descr="C:\Users\Souparnika pc\Desktop\Untitled.png"/>
@@ -4008,7 +4330,7 @@
         </p:blipFill>
         <p:spPr bwMode="auto">
           <a:xfrm>
-            <a:off x="661484" y="2881156"/>
+            <a:off x="685800" y="2309656"/>
             <a:ext cx="7211432" cy="2238688"/>
           </a:xfrm>
           <a:prstGeom prst="rect">
@@ -4036,13 +4358,6 @@
   <p:clrMapOvr>
     <a:masterClrMapping/>
   </p:clrMapOvr>
-  <p:timing>
-    <p:tnLst>
-      <p:par>
-        <p:cTn id="1" dur="indefinite" restart="never" nodeType="tmRoot"/>
-      </p:par>
-    </p:tnLst>
-  </p:timing>
 </p:sld>
 </file>
 
@@ -4079,10 +4394,9 @@
           <a:lstStyle/>
           <a:p>
             <a:r>
-              <a:rPr lang="en-US" dirty="0" smtClean="0"/>
+              <a:rPr lang="en-US" dirty="0"/>
               <a:t>Type</a:t>
             </a:r>
-            <a:endParaRPr lang="en-US" dirty="0"/>
           </a:p>
         </p:txBody>
       </p:sp>
@@ -4139,13 +4453,6 @@
   <p:clrMapOvr>
     <a:masterClrMapping/>
   </p:clrMapOvr>
-  <p:timing>
-    <p:tnLst>
-      <p:par>
-        <p:cTn id="1" dur="indefinite" restart="never" nodeType="tmRoot"/>
-      </p:par>
-    </p:tnLst>
-  </p:timing>
 </p:sld>
 </file>
 
@@ -4182,11 +4489,11 @@
           <a:lstStyle/>
           <a:p>
             <a:r>
-              <a:rPr lang="en-US" dirty="0" smtClean="0"/>
+              <a:rPr lang="en-US" dirty="0"/>
               <a:t>Simple</a:t>
             </a:r>
             <a:br>
-              <a:rPr lang="en-US" dirty="0" smtClean="0"/>
+              <a:rPr lang="en-US" dirty="0"/>
             </a:br>
             <a:endParaRPr lang="en-US" dirty="0"/>
           </a:p>
@@ -4205,7 +4512,7 @@
         <p:spPr>
           <a:xfrm>
             <a:off x="76200" y="1066800"/>
-            <a:ext cx="8382000" cy="5943600"/>
+            <a:ext cx="8382000" cy="1524000"/>
           </a:xfrm>
         </p:spPr>
         <p:txBody>
@@ -4213,19 +4520,19 @@
           <a:lstStyle/>
           <a:p>
             <a:r>
-              <a:rPr lang="en-US" dirty="0" smtClean="0"/>
+              <a:rPr lang="en-US" dirty="0"/>
               <a:t>Atomic datatypes.</a:t>
             </a:r>
           </a:p>
           <a:p>
             <a:r>
-              <a:rPr lang="en-US" dirty="0" smtClean="0"/>
+              <a:rPr lang="en-US" dirty="0"/>
               <a:t>Some of them taken from ASN.1</a:t>
             </a:r>
           </a:p>
           <a:p>
             <a:r>
-              <a:rPr lang="en-US" dirty="0" smtClean="0"/>
+              <a:rPr lang="en-US" dirty="0"/>
               <a:t>Others  are added by SMI.</a:t>
             </a:r>
           </a:p>
@@ -4243,7 +4550,7 @@
           <p:nvPr/>
         </p:nvPicPr>
         <p:blipFill>
-          <a:blip r:embed="rId2">
+          <a:blip r:embed="rId3">
             <a:extLst>
               <a:ext uri="{28A0092B-C50C-407E-A947-70E740481C1C}">
                 <a14:useLocalDpi xmlns:a14="http://schemas.microsoft.com/office/drawing/2010/main" val="0"/>
@@ -4285,13 +4592,6 @@
   <p:clrMapOvr>
     <a:masterClrMapping/>
   </p:clrMapOvr>
-  <p:timing>
-    <p:tnLst>
-      <p:par>
-        <p:cTn id="1" dur="indefinite" restart="never" nodeType="tmRoot"/>
-      </p:par>
-    </p:tnLst>
-  </p:timing>
 </p:sld>
 </file>
 
@@ -4328,10 +4628,9 @@
           <a:lstStyle/>
           <a:p>
             <a:r>
-              <a:rPr lang="en-US" dirty="0" smtClean="0"/>
+              <a:rPr lang="en-US" dirty="0"/>
               <a:t>Structured Type</a:t>
             </a:r>
-            <a:endParaRPr lang="en-US" dirty="0"/>
           </a:p>
         </p:txBody>
       </p:sp>
@@ -4356,13 +4655,13 @@
           <a:lstStyle/>
           <a:p>
             <a:r>
-              <a:rPr lang="en-US" dirty="0" smtClean="0"/>
-              <a:t>SMI defines 2 structured datatypes:- sequence ,sequence of</a:t>
-            </a:r>
-          </a:p>
-          <a:p>
-            <a:r>
-              <a:rPr lang="en-US" dirty="0" smtClean="0"/>
+              <a:rPr lang="en-US" dirty="0"/>
+              <a:t>SMI defines 2 structured datatypes:- sequence, sequence of</a:t>
+            </a:r>
+          </a:p>
+          <a:p>
+            <a:r>
+              <a:rPr lang="en-US" dirty="0"/>
               <a:t>By combining simple and structured data-types, we can make new structured data-types.</a:t>
             </a:r>
           </a:p>
@@ -4375,16 +4674,12 @@
               <a:buChar char="q"/>
             </a:pPr>
             <a:r>
-              <a:rPr lang="en-US" dirty="0" smtClean="0"/>
-              <a:t>Sequence : it is analogous to the concept of </a:t>
-            </a:r>
-            <a:r>
-              <a:rPr lang="en-US" dirty="0" err="1" smtClean="0"/>
-              <a:t>struct</a:t>
-            </a:r>
-            <a:r>
-              <a:rPr lang="en-US" dirty="0" smtClean="0"/>
-              <a:t> or a record  in programming language .</a:t>
+              <a:rPr lang="en-US" b="1" dirty="0"/>
+              <a:t>Sequence</a:t>
+            </a:r>
+            <a:r>
+              <a:rPr lang="en-US" dirty="0"/>
+              <a:t>: it is analogous to the concept of struct or a record  in programming language .</a:t>
             </a:r>
           </a:p>
           <a:p>
@@ -4393,10 +4688,13 @@
               <a:buChar char="q"/>
             </a:pPr>
             <a:r>
-              <a:rPr lang="en-US" dirty="0" smtClean="0"/>
-              <a:t>Sequence of : analogous to array </a:t>
-            </a:r>
-            <a:endParaRPr lang="en-US" dirty="0"/>
+              <a:rPr lang="en-US" b="1" dirty="0"/>
+              <a:t>Sequence of</a:t>
+            </a:r>
+            <a:r>
+              <a:rPr lang="en-US" dirty="0"/>
+              <a:t>: analogous to array </a:t>
+            </a:r>
           </a:p>
         </p:txBody>
       </p:sp>
@@ -4410,13 +4708,6 @@
   <p:clrMapOvr>
     <a:masterClrMapping/>
   </p:clrMapOvr>
-  <p:timing>
-    <p:tnLst>
-      <p:par>
-        <p:cTn id="1" dur="indefinite" restart="never" nodeType="tmRoot"/>
-      </p:par>
-    </p:tnLst>
-  </p:timing>
 </p:sld>
 </file>
 
@@ -4437,25 +4728,6 @@
           <a:chExt cx="0" cy="0"/>
         </a:xfrm>
       </p:grpSpPr>
-      <p:sp>
-        <p:nvSpPr>
-          <p:cNvPr id="2" name="Title 1"/>
-          <p:cNvSpPr>
-            <a:spLocks noGrp="1"/>
-          </p:cNvSpPr>
-          <p:nvPr>
-            <p:ph type="title"/>
-          </p:nvPr>
-        </p:nvSpPr>
-        <p:spPr/>
-        <p:txBody>
-          <a:bodyPr/>
-          <a:lstStyle/>
-          <a:p>
-            <a:endParaRPr lang="en-US"/>
-          </a:p>
-        </p:txBody>
-      </p:sp>
       <p:pic>
         <p:nvPicPr>
           <p:cNvPr id="6146" name="Picture 2" descr="C:\Users\Souparnika pc\Desktop\Untitled.png"/>
@@ -4509,13 +4781,6 @@
   <p:clrMapOvr>
     <a:masterClrMapping/>
   </p:clrMapOvr>
-  <p:timing>
-    <p:tnLst>
-      <p:par>
-        <p:cTn id="1" dur="indefinite" restart="never" nodeType="tmRoot"/>
-      </p:par>
-    </p:tnLst>
-  </p:timing>
 </p:sld>
 </file>
 
@@ -4552,10 +4817,9 @@
           <a:lstStyle/>
           <a:p>
             <a:r>
-              <a:rPr lang="en-US" dirty="0" smtClean="0"/>
+              <a:rPr lang="en-US" dirty="0"/>
               <a:t>Network Management</a:t>
             </a:r>
-            <a:endParaRPr lang="en-US" dirty="0"/>
           </a:p>
         </p:txBody>
       </p:sp>
@@ -4582,14 +4846,11 @@
           <a:lstStyle/>
           <a:p>
             <a:r>
-              <a:rPr lang="en-US" sz="3200" dirty="0" smtClean="0">
+              <a:rPr lang="en-US" sz="3200" dirty="0">
                 <a:latin typeface="+mj-lt"/>
               </a:rPr>
-              <a:t>Monitoring ,testing, configuring  and trouble shooting network components to meet a set of requirements defined by  an organization</a:t>
-            </a:r>
-            <a:endParaRPr lang="en-US" sz="3200" dirty="0">
-              <a:latin typeface="+mj-lt"/>
-            </a:endParaRPr>
+              <a:t>Monitoring, testing, configuring and trouble-shooting network components to meet a set of requirements defined by an organization</a:t>
+            </a:r>
           </a:p>
         </p:txBody>
       </p:sp>
@@ -4603,13 +4864,6 @@
   <p:clrMapOvr>
     <a:masterClrMapping/>
   </p:clrMapOvr>
-  <p:timing>
-    <p:tnLst>
-      <p:par>
-        <p:cTn id="1" dur="indefinite" restart="never" nodeType="tmRoot"/>
-      </p:par>
-    </p:tnLst>
-  </p:timing>
 </p:sld>
 </file>
 
@@ -4646,10 +4900,9 @@
           <a:lstStyle/>
           <a:p>
             <a:r>
-              <a:rPr lang="en-US" dirty="0" smtClean="0"/>
+              <a:rPr lang="en-US" dirty="0"/>
               <a:t>Encoding Method</a:t>
             </a:r>
-            <a:endParaRPr lang="en-US" dirty="0"/>
           </a:p>
         </p:txBody>
       </p:sp>
@@ -4669,7 +4922,7 @@
           <a:lstStyle/>
           <a:p>
             <a:r>
-              <a:rPr lang="en-US" dirty="0" smtClean="0"/>
+              <a:rPr lang="en-US" dirty="0"/>
               <a:t>Format</a:t>
             </a:r>
           </a:p>
@@ -4729,13 +4982,6 @@
   <p:clrMapOvr>
     <a:masterClrMapping/>
   </p:clrMapOvr>
-  <p:timing>
-    <p:tnLst>
-      <p:par>
-        <p:cTn id="1" dur="indefinite" restart="never" nodeType="tmRoot"/>
-      </p:par>
-    </p:tnLst>
-  </p:timing>
 </p:sld>
 </file>
 
@@ -4768,8 +5014,8 @@
         </p:nvSpPr>
         <p:spPr>
           <a:xfrm>
-            <a:off x="0" y="0"/>
-            <a:ext cx="8077200" cy="6400800"/>
+            <a:off x="0" y="228600"/>
+            <a:ext cx="8077200" cy="6172200"/>
           </a:xfrm>
         </p:spPr>
         <p:txBody>
@@ -4777,42 +5023,42 @@
           <a:lstStyle/>
           <a:p>
             <a:r>
-              <a:rPr lang="en-US" dirty="0" smtClean="0"/>
+              <a:rPr lang="en-US" dirty="0"/>
               <a:t>Tag : 1 byte</a:t>
             </a:r>
           </a:p>
           <a:p>
             <a:pPr lvl="1"/>
             <a:r>
-              <a:rPr lang="en-US" dirty="0" smtClean="0"/>
+              <a:rPr lang="en-US" dirty="0"/>
               <a:t>Defines type of data</a:t>
             </a:r>
           </a:p>
           <a:p>
             <a:pPr lvl="1"/>
             <a:r>
-              <a:rPr lang="en-US" dirty="0" smtClean="0"/>
+              <a:rPr lang="en-US" dirty="0"/>
               <a:t>Composed of 3 sub field </a:t>
             </a:r>
           </a:p>
           <a:p>
             <a:pPr lvl="2"/>
             <a:r>
-              <a:rPr lang="en-US" dirty="0" smtClean="0"/>
+              <a:rPr lang="en-US" dirty="0"/>
               <a:t>Class (2 bits)</a:t>
             </a:r>
           </a:p>
           <a:p>
             <a:pPr lvl="2"/>
             <a:r>
-              <a:rPr lang="en-US" dirty="0" smtClean="0"/>
+              <a:rPr lang="en-US" dirty="0"/>
               <a:t>Format(1 bit)</a:t>
             </a:r>
           </a:p>
           <a:p>
             <a:pPr lvl="2"/>
             <a:r>
-              <a:rPr lang="en-US" dirty="0" smtClean="0"/>
+              <a:rPr lang="en-US" dirty="0"/>
               <a:t>Number (5 bits)</a:t>
             </a:r>
           </a:p>
@@ -4822,7 +5068,7 @@
           </a:p>
           <a:p>
             <a:pPr lvl="2"/>
-            <a:endParaRPr lang="en-US" dirty="0" smtClean="0"/>
+            <a:endParaRPr lang="en-US" dirty="0"/>
           </a:p>
           <a:p>
             <a:pPr marL="1177290" lvl="2" indent="-400050">
@@ -4830,7 +5076,7 @@
               <a:buAutoNum type="romanUcPeriod"/>
             </a:pPr>
             <a:r>
-              <a:rPr lang="en-US" sz="2400" dirty="0" smtClean="0"/>
+              <a:rPr lang="en-US" sz="2400" dirty="0"/>
               <a:t>4 classes </a:t>
             </a:r>
           </a:p>
@@ -4840,7 +5086,7 @@
               <a:buAutoNum type="romanUcPeriod"/>
             </a:pPr>
             <a:r>
-              <a:rPr lang="en-US" sz="2200" dirty="0" smtClean="0"/>
+              <a:rPr lang="en-US" sz="2200" dirty="0"/>
               <a:t>Universal(00) :taken from ASN.1</a:t>
             </a:r>
           </a:p>
@@ -4850,7 +5096,7 @@
               <a:buAutoNum type="romanUcPeriod"/>
             </a:pPr>
             <a:r>
-              <a:rPr lang="en-US" sz="2200" dirty="0" smtClean="0"/>
+              <a:rPr lang="en-US" sz="2200" dirty="0"/>
               <a:t>Application wide(01): added by SMI</a:t>
             </a:r>
           </a:p>
@@ -4860,7 +5106,7 @@
               <a:buAutoNum type="romanUcPeriod"/>
             </a:pPr>
             <a:r>
-              <a:rPr lang="en-US" sz="2200" dirty="0" smtClean="0"/>
+              <a:rPr lang="en-US" sz="2200" dirty="0"/>
               <a:t>Context-specific(10): meaning change from protocol to protocol</a:t>
             </a:r>
           </a:p>
@@ -4870,10 +5116,9 @@
               <a:buAutoNum type="romanUcPeriod"/>
             </a:pPr>
             <a:r>
-              <a:rPr lang="en-US" sz="2200" dirty="0" smtClean="0"/>
+              <a:rPr lang="en-US" sz="2200" dirty="0"/>
               <a:t>Private(11): are vendor -specific</a:t>
             </a:r>
-            <a:endParaRPr lang="en-US" sz="2200" dirty="0"/>
           </a:p>
         </p:txBody>
       </p:sp>
@@ -4887,13 +5132,6 @@
   <p:clrMapOvr>
     <a:masterClrMapping/>
   </p:clrMapOvr>
-  <p:timing>
-    <p:tnLst>
-      <p:par>
-        <p:cTn id="1" dur="indefinite" restart="never" nodeType="tmRoot"/>
-      </p:par>
-    </p:tnLst>
-  </p:timing>
 </p:sld>
 </file>
 
@@ -4986,13 +5224,6 @@
   <p:clrMapOvr>
     <a:masterClrMapping/>
   </p:clrMapOvr>
-  <p:timing>
-    <p:tnLst>
-      <p:par>
-        <p:cTn id="1" dur="indefinite" restart="never" nodeType="tmRoot"/>
-      </p:par>
-    </p:tnLst>
-  </p:timing>
 </p:sld>
 </file>
 
@@ -5013,25 +5244,6 @@
           <a:chExt cx="0" cy="0"/>
         </a:xfrm>
       </p:grpSpPr>
-      <p:sp>
-        <p:nvSpPr>
-          <p:cNvPr id="2" name="Title 1"/>
-          <p:cNvSpPr>
-            <a:spLocks noGrp="1"/>
-          </p:cNvSpPr>
-          <p:nvPr>
-            <p:ph type="title"/>
-          </p:nvPr>
-        </p:nvSpPr>
-        <p:spPr/>
-        <p:txBody>
-          <a:bodyPr/>
-          <a:lstStyle/>
-          <a:p>
-            <a:endParaRPr lang="en-US"/>
-          </a:p>
-        </p:txBody>
-      </p:sp>
       <p:pic>
         <p:nvPicPr>
           <p:cNvPr id="9218" name="Picture 2" descr="C:\Users\Souparnika pc\Desktop\Untitled.png"/>
@@ -5085,13 +5297,6 @@
   <p:clrMapOvr>
     <a:masterClrMapping/>
   </p:clrMapOvr>
-  <p:timing>
-    <p:tnLst>
-      <p:par>
-        <p:cTn id="1" dur="indefinite" restart="never" nodeType="tmRoot"/>
-      </p:par>
-    </p:tnLst>
-  </p:timing>
 </p:sld>
 </file>
 
@@ -5112,44 +5317,6 @@
           <a:chExt cx="0" cy="0"/>
         </a:xfrm>
       </p:grpSpPr>
-      <p:sp>
-        <p:nvSpPr>
-          <p:cNvPr id="2" name="Title 1"/>
-          <p:cNvSpPr>
-            <a:spLocks noGrp="1"/>
-          </p:cNvSpPr>
-          <p:nvPr>
-            <p:ph type="title"/>
-          </p:nvPr>
-        </p:nvSpPr>
-        <p:spPr/>
-        <p:txBody>
-          <a:bodyPr/>
-          <a:lstStyle/>
-          <a:p>
-            <a:endParaRPr lang="en-US"/>
-          </a:p>
-        </p:txBody>
-      </p:sp>
-      <p:sp>
-        <p:nvSpPr>
-          <p:cNvPr id="3" name="Content Placeholder 2"/>
-          <p:cNvSpPr>
-            <a:spLocks noGrp="1"/>
-          </p:cNvSpPr>
-          <p:nvPr>
-            <p:ph idx="1"/>
-          </p:nvPr>
-        </p:nvSpPr>
-        <p:spPr/>
-        <p:txBody>
-          <a:bodyPr/>
-          <a:lstStyle/>
-          <a:p>
-            <a:endParaRPr lang="en-US"/>
-          </a:p>
-        </p:txBody>
-      </p:sp>
       <p:pic>
         <p:nvPicPr>
           <p:cNvPr id="10242" name="Picture 2" descr="C:\Users\Souparnika pc\Desktop\Untitled.png"/>
@@ -5201,13 +5368,6 @@
   <p:clrMapOvr>
     <a:masterClrMapping/>
   </p:clrMapOvr>
-  <p:timing>
-    <p:tnLst>
-      <p:par>
-        <p:cTn id="1" dur="indefinite" restart="never" nodeType="tmRoot"/>
-      </p:par>
-    </p:tnLst>
-  </p:timing>
 </p:sld>
 </file>
 
@@ -5244,10 +5404,9 @@
           <a:lstStyle/>
           <a:p>
             <a:r>
-              <a:rPr lang="en-US" dirty="0" smtClean="0"/>
+              <a:rPr lang="en-US" dirty="0"/>
               <a:t>MIB v2</a:t>
             </a:r>
-            <a:endParaRPr lang="en-US" dirty="0"/>
           </a:p>
         </p:txBody>
       </p:sp>
@@ -5317,18 +5476,13 @@
           <a:lstStyle/>
           <a:p>
             <a:r>
-              <a:rPr lang="en-US" dirty="0" smtClean="0">
+              <a:rPr lang="en-US" dirty="0">
                 <a:solidFill>
                   <a:srgbClr val="FF0000"/>
                 </a:solidFill>
               </a:rPr>
               <a:t>NB: Read description of each object</a:t>
             </a:r>
-            <a:endParaRPr lang="en-US" dirty="0">
-              <a:solidFill>
-                <a:srgbClr val="FF0000"/>
-              </a:solidFill>
-            </a:endParaRPr>
           </a:p>
         </p:txBody>
       </p:sp>
@@ -5342,13 +5496,6 @@
   <p:clrMapOvr>
     <a:masterClrMapping/>
   </p:clrMapOvr>
-  <p:timing>
-    <p:tnLst>
-      <p:par>
-        <p:cTn id="1" dur="indefinite" restart="never" nodeType="tmRoot"/>
-      </p:par>
-    </p:tnLst>
-  </p:timing>
 </p:sld>
 </file>
 
@@ -5385,10 +5532,9 @@
           <a:lstStyle/>
           <a:p>
             <a:r>
-              <a:rPr lang="en-US" dirty="0" smtClean="0"/>
+              <a:rPr lang="en-US" dirty="0"/>
               <a:t>Lexicographic ordering </a:t>
             </a:r>
-            <a:endParaRPr lang="en-US" dirty="0"/>
           </a:p>
         </p:txBody>
       </p:sp>
@@ -5413,16 +5559,15 @@
           <a:lstStyle/>
           <a:p>
             <a:r>
-              <a:rPr lang="en-US" dirty="0" smtClean="0"/>
-              <a:t>MIB variables ,object identifiers follow lexicographic order.</a:t>
-            </a:r>
-          </a:p>
-          <a:p>
-            <a:r>
-              <a:rPr lang="en-US" dirty="0" smtClean="0"/>
+              <a:rPr lang="en-US" dirty="0"/>
+              <a:t>MIB variables, object identifiers follow lexicographic order.</a:t>
+            </a:r>
+          </a:p>
+          <a:p>
+            <a:r>
+              <a:rPr lang="en-US" dirty="0"/>
               <a:t>Lexicographic ordering enables a manager to access a set of variables one after another by defining the first variable.</a:t>
             </a:r>
-            <a:endParaRPr lang="en-US" dirty="0"/>
           </a:p>
         </p:txBody>
       </p:sp>
@@ -5436,13 +5581,6 @@
   <p:clrMapOvr>
     <a:masterClrMapping/>
   </p:clrMapOvr>
-  <p:timing>
-    <p:tnLst>
-      <p:par>
-        <p:cTn id="1" dur="indefinite" restart="never" nodeType="tmRoot"/>
-      </p:par>
-    </p:tnLst>
-  </p:timing>
 </p:sld>
 </file>
 
@@ -5463,25 +5601,6 @@
           <a:chExt cx="0" cy="0"/>
         </a:xfrm>
       </p:grpSpPr>
-      <p:sp>
-        <p:nvSpPr>
-          <p:cNvPr id="2" name="Title 1"/>
-          <p:cNvSpPr>
-            <a:spLocks noGrp="1"/>
-          </p:cNvSpPr>
-          <p:nvPr>
-            <p:ph type="title"/>
-          </p:nvPr>
-        </p:nvSpPr>
-        <p:spPr/>
-        <p:txBody>
-          <a:bodyPr/>
-          <a:lstStyle/>
-          <a:p>
-            <a:endParaRPr lang="en-US"/>
-          </a:p>
-        </p:txBody>
-      </p:sp>
       <p:pic>
         <p:nvPicPr>
           <p:cNvPr id="12291" name="Picture 3" descr="C:\Users\Souparnika pc\Desktop\Untitled.png"/>
@@ -5535,13 +5654,6 @@
   <p:clrMapOvr>
     <a:masterClrMapping/>
   </p:clrMapOvr>
-  <p:timing>
-    <p:tnLst>
-      <p:par>
-        <p:cTn id="1" dur="indefinite" restart="never" nodeType="tmRoot"/>
-      </p:par>
-    </p:tnLst>
-  </p:timing>
 </p:sld>
 </file>
 
@@ -5578,10 +5690,9 @@
           <a:lstStyle/>
           <a:p>
             <a:r>
-              <a:rPr lang="en-US" dirty="0" smtClean="0"/>
+              <a:rPr lang="en-US" dirty="0"/>
               <a:t>SNMP PDUs</a:t>
             </a:r>
-            <a:endParaRPr lang="en-US" dirty="0"/>
           </a:p>
         </p:txBody>
       </p:sp>
@@ -5638,13 +5749,6 @@
   <p:clrMapOvr>
     <a:masterClrMapping/>
   </p:clrMapOvr>
-  <p:timing>
-    <p:tnLst>
-      <p:par>
-        <p:cTn id="1" dur="indefinite" restart="never" nodeType="tmRoot"/>
-      </p:par>
-    </p:tnLst>
-  </p:timing>
 </p:sld>
 </file>
 
@@ -5686,23 +5790,19 @@
           <a:lstStyle/>
           <a:p>
             <a:r>
-              <a:rPr lang="en-US" dirty="0" err="1" smtClean="0"/>
+              <a:rPr lang="en-US" dirty="0" err="1"/>
               <a:t>GetRequest</a:t>
             </a:r>
             <a:r>
-              <a:rPr lang="en-US" dirty="0" smtClean="0"/>
+              <a:rPr lang="en-US" dirty="0"/>
               <a:t> :</a:t>
             </a:r>
           </a:p>
           <a:p>
             <a:pPr lvl="1"/>
             <a:r>
-              <a:rPr lang="en-US" dirty="0" smtClean="0"/>
-              <a:t>A </a:t>
-            </a:r>
-            <a:r>
-              <a:rPr lang="en-US" dirty="0"/>
-              <a:t>manager-to-agent request to retrieve the value of a variable or list of variables. Desired variables are specified in variable bindings (the value field is not used). Retrieval of the specified variable values is to be done as an </a:t>
+              <a:rPr lang="en-US" dirty="0"/>
+              <a:t>A manager-to-agent request to retrieve the value of a variable or list of variables. Desired variables are specified in variable bindings (the value field is not used). Retrieval of the specified variable values is to be done as an </a:t>
             </a:r>
             <a:r>
               <a:rPr lang="en-US" dirty="0">
@@ -5720,26 +5820,18 @@
             </a:r>
             <a:r>
               <a:rPr lang="en-US" dirty="0"/>
-              <a:t> with current values is returned</a:t>
-            </a:r>
-            <a:r>
-              <a:rPr lang="en-US" dirty="0" smtClean="0"/>
-              <a:t>.</a:t>
+              <a:t> with current values is returned.</a:t>
             </a:r>
           </a:p>
           <a:p>
             <a:pPr lvl="1"/>
             <a:r>
-              <a:rPr lang="en-US" dirty="0" err="1" smtClean="0"/>
+              <a:rPr lang="en-US" dirty="0" err="1"/>
               <a:t>SetRequest</a:t>
             </a:r>
             <a:r>
-              <a:rPr lang="en-US" dirty="0" smtClean="0"/>
-              <a:t> :A </a:t>
-            </a:r>
-            <a:r>
-              <a:rPr lang="en-US" dirty="0"/>
-              <a:t>manager-to-agent request to change the value of a variable or list of variables. Variable bindings are specified in the body of the request. Changes to all specified variables are to be made as an atomic operation by the agent. A </a:t>
+              <a:rPr lang="en-US" dirty="0"/>
+              <a:t> :A manager-to-agent request to change the value of a variable or list of variables. Variable bindings are specified in the body of the request. Changes to all specified variables are to be made as an atomic operation by the agent. A </a:t>
             </a:r>
             <a:r>
               <a:rPr lang="en-US" i="1" dirty="0"/>
@@ -5747,26 +5839,18 @@
             </a:r>
             <a:r>
               <a:rPr lang="en-US" dirty="0"/>
-              <a:t> with (current) new values for the variables is returned</a:t>
-            </a:r>
-            <a:r>
-              <a:rPr lang="en-US" dirty="0" smtClean="0"/>
-              <a:t>.</a:t>
+              <a:t> with (current) new values for the variables is returned.</a:t>
             </a:r>
           </a:p>
           <a:p>
             <a:pPr lvl="1"/>
             <a:r>
-              <a:rPr lang="en-US" dirty="0" err="1" smtClean="0"/>
+              <a:rPr lang="en-US" dirty="0" err="1"/>
               <a:t>GetNextRequest</a:t>
             </a:r>
             <a:r>
-              <a:rPr lang="en-US" dirty="0" smtClean="0"/>
-              <a:t>: A </a:t>
-            </a:r>
-            <a:r>
-              <a:rPr lang="en-US" dirty="0"/>
-              <a:t>manager-to-agent request to discover available variables and their values. Returns a </a:t>
+              <a:rPr lang="en-US" dirty="0"/>
+              <a:t>: A manager-to-agent request to discover available variables and their values. Returns a </a:t>
             </a:r>
             <a:r>
               <a:rPr lang="en-US" i="1" dirty="0"/>
@@ -5811,13 +5895,6 @@
   <p:clrMapOvr>
     <a:masterClrMapping/>
   </p:clrMapOvr>
-  <p:timing>
-    <p:tnLst>
-      <p:par>
-        <p:cTn id="1" dur="indefinite" restart="never" nodeType="tmRoot"/>
-      </p:par>
-    </p:tnLst>
-  </p:timing>
 </p:sld>
 </file>
 
@@ -5838,25 +5915,6 @@
           <a:chExt cx="0" cy="0"/>
         </a:xfrm>
       </p:grpSpPr>
-      <p:sp>
-        <p:nvSpPr>
-          <p:cNvPr id="2" name="Title 1"/>
-          <p:cNvSpPr>
-            <a:spLocks noGrp="1"/>
-          </p:cNvSpPr>
-          <p:nvPr>
-            <p:ph type="title"/>
-          </p:nvPr>
-        </p:nvSpPr>
-        <p:spPr/>
-        <p:txBody>
-          <a:bodyPr/>
-          <a:lstStyle/>
-          <a:p>
-            <a:endParaRPr lang="en-US"/>
-          </a:p>
-        </p:txBody>
-      </p:sp>
       <p:pic>
         <p:nvPicPr>
           <p:cNvPr id="1026" name="Picture 2"/>
@@ -5923,13 +5981,6 @@
   <p:clrMapOvr>
     <a:masterClrMapping/>
   </p:clrMapOvr>
-  <p:timing>
-    <p:tnLst>
-      <p:par>
-        <p:cTn id="1" dur="indefinite" restart="never" nodeType="tmRoot"/>
-      </p:par>
-    </p:tnLst>
-  </p:timing>
 </p:sld>
 </file>
 
@@ -5971,23 +6022,19 @@
           <a:lstStyle/>
           <a:p>
             <a:r>
-              <a:rPr lang="en-US" dirty="0" err="1" smtClean="0"/>
+              <a:rPr lang="en-US" dirty="0" err="1"/>
               <a:t>GetBulkRequest</a:t>
             </a:r>
             <a:r>
-              <a:rPr lang="en-US" dirty="0" smtClean="0"/>
+              <a:rPr lang="en-US" dirty="0"/>
               <a:t> :</a:t>
             </a:r>
           </a:p>
           <a:p>
             <a:pPr lvl="1"/>
             <a:r>
-              <a:rPr lang="en-US" dirty="0" smtClean="0"/>
-              <a:t>A </a:t>
-            </a:r>
-            <a:r>
-              <a:rPr lang="en-US" dirty="0"/>
-              <a:t>manager-to-agent request for multiple iterations of </a:t>
+              <a:rPr lang="en-US" dirty="0"/>
+              <a:t>A manager-to-agent request for multiple iterations of </a:t>
             </a:r>
             <a:r>
               <a:rPr lang="en-US" i="1" dirty="0" err="1"/>
@@ -5997,36 +6044,27 @@
               <a:rPr lang="en-US" dirty="0"/>
               <a:t>. </a:t>
             </a:r>
-            <a:endParaRPr lang="en-US" dirty="0" smtClean="0"/>
           </a:p>
           <a:p>
             <a:pPr lvl="1"/>
             <a:r>
-              <a:rPr lang="en-US" dirty="0" smtClean="0"/>
-              <a:t>An </a:t>
-            </a:r>
-            <a:r>
-              <a:rPr lang="en-US" dirty="0"/>
-              <a:t>optimized version of </a:t>
+              <a:rPr lang="en-US" dirty="0"/>
+              <a:t>An optimized version of </a:t>
             </a:r>
             <a:r>
               <a:rPr lang="en-US" i="1" dirty="0" err="1"/>
               <a:t>GetNextRequest</a:t>
             </a:r>
             <a:r>
-              <a:rPr lang="en-US" dirty="0" smtClean="0"/>
+              <a:rPr lang="en-US" dirty="0"/>
               <a:t>.</a:t>
             </a:r>
           </a:p>
           <a:p>
             <a:pPr lvl="1"/>
             <a:r>
-              <a:rPr lang="en-US" dirty="0" smtClean="0"/>
-              <a:t> </a:t>
-            </a:r>
-            <a:r>
-              <a:rPr lang="en-US" dirty="0"/>
-              <a:t>Returns a </a:t>
+              <a:rPr lang="en-US" dirty="0"/>
+              <a:t> Returns a </a:t>
             </a:r>
             <a:r>
               <a:rPr lang="en-US" i="1" dirty="0"/>
@@ -6036,17 +6074,12 @@
               <a:rPr lang="en-US" dirty="0"/>
               <a:t> with multiple variable bindings walked from the variable binding or bindings in the request. </a:t>
             </a:r>
-            <a:endParaRPr lang="en-US" dirty="0" smtClean="0"/>
           </a:p>
           <a:p>
             <a:pPr lvl="1"/>
             <a:r>
-              <a:rPr lang="en-US" dirty="0" smtClean="0"/>
-              <a:t>PDU </a:t>
-            </a:r>
-            <a:r>
-              <a:rPr lang="en-US" dirty="0"/>
-              <a:t>specific </a:t>
+              <a:rPr lang="en-US" dirty="0"/>
+              <a:t>PDU specific </a:t>
             </a:r>
             <a:r>
               <a:rPr lang="en-US" i="1" dirty="0"/>
@@ -6062,11 +6095,7 @@
             </a:r>
             <a:r>
               <a:rPr lang="en-US" dirty="0"/>
-              <a:t> fields are used to control response behavior</a:t>
-            </a:r>
-            <a:r>
-              <a:rPr lang="en-US" dirty="0" smtClean="0"/>
-              <a:t>.</a:t>
+              <a:t> fields are used to control response behavior.</a:t>
             </a:r>
           </a:p>
           <a:p>
@@ -6096,13 +6125,6 @@
   <p:clrMapOvr>
     <a:masterClrMapping/>
   </p:clrMapOvr>
-  <p:timing>
-    <p:tnLst>
-      <p:par>
-        <p:cTn id="1" dur="indefinite" restart="never" nodeType="tmRoot"/>
-      </p:par>
-    </p:tnLst>
-  </p:timing>
 </p:sld>
 </file>
 
@@ -6146,27 +6168,15 @@
           <a:lstStyle/>
           <a:p>
             <a:r>
-              <a:rPr lang="en-US" dirty="0" smtClean="0"/>
+              <a:rPr lang="en-US" dirty="0"/>
               <a:t>Response</a:t>
             </a:r>
           </a:p>
           <a:p>
             <a:pPr lvl="1"/>
             <a:r>
-              <a:rPr lang="en-US" dirty="0" smtClean="0"/>
-              <a:t>Returns </a:t>
-            </a:r>
-            <a:r>
-              <a:rPr lang="en-US" dirty="0"/>
-              <a:t>variable bindings and acknowledgement from agent to manager </a:t>
-            </a:r>
-            <a:r>
-              <a:rPr lang="en-US" dirty="0" smtClean="0"/>
-              <a:t> for</a:t>
-            </a:r>
-            <a:r>
-              <a:rPr lang="en-US" dirty="0"/>
-              <a:t> </a:t>
+              <a:rPr lang="en-US" dirty="0"/>
+              <a:t>Returns variable bindings and acknowledgement from agent to manager  for </a:t>
             </a:r>
             <a:r>
               <a:rPr lang="en-US" i="1" dirty="0" err="1"/>
@@ -6208,17 +6218,12 @@
               <a:rPr lang="en-US" dirty="0"/>
               <a:t>. </a:t>
             </a:r>
-            <a:endParaRPr lang="en-US" dirty="0" smtClean="0"/>
           </a:p>
           <a:p>
             <a:pPr lvl="1"/>
             <a:r>
-              <a:rPr lang="en-US" dirty="0" smtClean="0"/>
-              <a:t>Error </a:t>
-            </a:r>
-            <a:r>
-              <a:rPr lang="en-US" dirty="0"/>
-              <a:t>reporting is provided by </a:t>
+              <a:rPr lang="en-US" dirty="0"/>
+              <a:t>Error reporting is provided by </a:t>
             </a:r>
             <a:r>
               <a:rPr lang="en-US" i="1" dirty="0"/>
@@ -6236,17 +6241,12 @@
               <a:rPr lang="en-US" dirty="0"/>
               <a:t> fields. </a:t>
             </a:r>
-            <a:endParaRPr lang="en-US" dirty="0" smtClean="0"/>
           </a:p>
           <a:p>
             <a:pPr lvl="1"/>
             <a:r>
-              <a:rPr lang="en-US" dirty="0" smtClean="0"/>
-              <a:t>Although </a:t>
-            </a:r>
-            <a:r>
-              <a:rPr lang="en-US" dirty="0"/>
-              <a:t>it was used as a response to both gets and sets, this PDU was called </a:t>
+              <a:rPr lang="en-US" dirty="0"/>
+              <a:t>Although it was used as a response to both gets and sets, this PDU was called </a:t>
             </a:r>
             <a:r>
               <a:rPr lang="en-US" i="1" dirty="0" err="1"/>
@@ -6254,53 +6254,35 @@
             </a:r>
             <a:r>
               <a:rPr lang="en-US" dirty="0"/>
-              <a:t> in SNMPv1</a:t>
-            </a:r>
-            <a:r>
-              <a:rPr lang="en-US" dirty="0" smtClean="0"/>
-              <a:t>.</a:t>
+              <a:t> in SNMPv1.</a:t>
             </a:r>
           </a:p>
           <a:p>
             <a:pPr lvl="1"/>
             <a:r>
-              <a:rPr lang="en-US" sz="2400" dirty="0" smtClean="0"/>
+              <a:rPr lang="en-US" sz="2400" dirty="0"/>
               <a:t>Trap :</a:t>
             </a:r>
           </a:p>
           <a:p>
             <a:pPr lvl="2"/>
             <a:r>
-              <a:rPr lang="en-US" dirty="0" smtClean="0"/>
-              <a:t>Asynchronous </a:t>
-            </a:r>
-            <a:r>
-              <a:rPr lang="en-US" dirty="0"/>
-              <a:t>notification from agent to manager. </a:t>
-            </a:r>
-            <a:endParaRPr lang="en-US" dirty="0" smtClean="0"/>
+              <a:rPr lang="en-US" dirty="0"/>
+              <a:t>Asynchronous notification from agent to manager. </a:t>
+            </a:r>
           </a:p>
           <a:p>
             <a:pPr lvl="2"/>
             <a:r>
-              <a:rPr lang="en-US" dirty="0" smtClean="0"/>
-              <a:t>While </a:t>
-            </a:r>
-            <a:r>
-              <a:rPr lang="en-US" dirty="0"/>
-              <a:t>in other SNMP communication, the manager actively requests information from the agent, these are PDUs that are sent from the agent to the manager without being explicitly requested. </a:t>
-            </a:r>
-            <a:endParaRPr lang="en-US" dirty="0" smtClean="0"/>
+              <a:rPr lang="en-US" dirty="0"/>
+              <a:t>While in other SNMP communication, the manager actively requests information from the agent, these are PDUs that are sent from the agent to the manager without being explicitly requested. </a:t>
+            </a:r>
           </a:p>
           <a:p>
             <a:pPr lvl="2"/>
             <a:r>
-              <a:rPr lang="en-US" dirty="0" smtClean="0"/>
-              <a:t>SNMP</a:t>
-            </a:r>
-            <a:r>
-              <a:rPr lang="en-US" dirty="0"/>
-              <a:t> </a:t>
+              <a:rPr lang="en-US" dirty="0"/>
+              <a:t>SNMP </a:t>
             </a:r>
             <a:r>
               <a:rPr lang="en-US" dirty="0">
@@ -6312,17 +6294,12 @@
               <a:rPr lang="en-US" dirty="0"/>
               <a:t> enable an agent to notify the management station of significant events by way of an unsolicited SNMP message. </a:t>
             </a:r>
-            <a:endParaRPr lang="en-US" dirty="0" smtClean="0"/>
           </a:p>
           <a:p>
             <a:pPr lvl="2"/>
             <a:r>
-              <a:rPr lang="en-US" dirty="0" smtClean="0"/>
-              <a:t>Trap </a:t>
-            </a:r>
-            <a:r>
-              <a:rPr lang="en-US" dirty="0"/>
-              <a:t>PDUs include current </a:t>
+              <a:rPr lang="en-US" dirty="0"/>
+              <a:t>Trap PDUs include current </a:t>
             </a:r>
             <a:r>
               <a:rPr lang="en-US" i="1" dirty="0" err="1"/>
@@ -6332,17 +6309,12 @@
               <a:rPr lang="en-US" dirty="0"/>
               <a:t> value, an OID identifying the type of trap and optional variable bindings. </a:t>
             </a:r>
-            <a:endParaRPr lang="en-US" dirty="0" smtClean="0"/>
           </a:p>
           <a:p>
             <a:pPr lvl="2"/>
             <a:r>
-              <a:rPr lang="en-US" dirty="0" smtClean="0"/>
-              <a:t>Destination </a:t>
-            </a:r>
-            <a:r>
-              <a:rPr lang="en-US" dirty="0"/>
-              <a:t>addressing for traps is determined in an application-specific manner typically through trap configuration variables in the MIB. The format of the trap message was changed in SNMPv2 and the PDU was renamed </a:t>
+              <a:rPr lang="en-US" dirty="0"/>
+              <a:t>Destination addressing for traps is determined in an application-specific manner typically through trap configuration variables in the MIB. The format of the trap message was changed in SNMPv2 and the PDU was renamed </a:t>
             </a:r>
             <a:r>
               <a:rPr lang="en-US" i="1" dirty="0"/>
@@ -6365,13 +6337,6 @@
   <p:clrMapOvr>
     <a:masterClrMapping/>
   </p:clrMapOvr>
-  <p:timing>
-    <p:tnLst>
-      <p:par>
-        <p:cTn id="1" dur="indefinite" restart="never" nodeType="tmRoot"/>
-      </p:par>
-    </p:tnLst>
-  </p:timing>
 </p:sld>
 </file>
 
@@ -6413,43 +6378,31 @@
           <a:lstStyle/>
           <a:p>
             <a:r>
-              <a:rPr lang="en-US" dirty="0" err="1" smtClean="0"/>
+              <a:rPr lang="en-US" dirty="0" err="1"/>
               <a:t>InformRequest</a:t>
             </a:r>
             <a:r>
-              <a:rPr lang="en-US" dirty="0" smtClean="0"/>
+              <a:rPr lang="en-US" dirty="0"/>
               <a:t> :Acknowledged a</a:t>
             </a:r>
           </a:p>
           <a:p>
             <a:pPr lvl="1"/>
             <a:r>
-              <a:rPr lang="en-US" dirty="0" smtClean="0"/>
-              <a:t>synchronous </a:t>
-            </a:r>
-            <a:r>
-              <a:rPr lang="en-US" dirty="0"/>
-              <a:t>notification. This PDU was introduced in SNMPv2 and was originally defined as </a:t>
+              <a:rPr lang="en-US" dirty="0"/>
+              <a:t>synchronous notification. This PDU was introduced in SNMPv2 and was originally defined as </a:t>
             </a:r>
             <a:r>
               <a:rPr lang="en-US" i="1" dirty="0"/>
-              <a:t>manager to </a:t>
-            </a:r>
-            <a:r>
-              <a:rPr lang="en-US" i="1" dirty="0" smtClean="0"/>
-              <a:t> </a:t>
-            </a:r>
-            <a:r>
-              <a:rPr lang="en-US" i="1" dirty="0" err="1" smtClean="0"/>
+              <a:t>manager to  </a:t>
+            </a:r>
+            <a:r>
+              <a:rPr lang="en-US" i="1" dirty="0" err="1"/>
               <a:t>anager</a:t>
             </a:r>
             <a:r>
               <a:rPr lang="en-US" dirty="0"/>
-              <a:t> communication</a:t>
-            </a:r>
-            <a:r>
-              <a:rPr lang="en-US" dirty="0" smtClean="0"/>
-              <a:t>.</a:t>
+              <a:t> communication.</a:t>
             </a:r>
             <a:endParaRPr lang="en-US" baseline="30000" dirty="0"/>
           </a:p>
@@ -6465,13 +6418,8 @@
             </a:r>
             <a:r>
               <a:rPr lang="en-US" dirty="0"/>
-              <a:t> </a:t>
-            </a:r>
-            <a:r>
-              <a:rPr lang="en-US" dirty="0" smtClean="0"/>
-              <a:t>communications.</a:t>
-            </a:r>
-            <a:endParaRPr lang="en-US" dirty="0"/>
+              <a:t> communications.</a:t>
+            </a:r>
           </a:p>
         </p:txBody>
       </p:sp>
@@ -6485,13 +6433,6 @@
   <p:clrMapOvr>
     <a:masterClrMapping/>
   </p:clrMapOvr>
-  <p:timing>
-    <p:tnLst>
-      <p:par>
-        <p:cTn id="1" dur="indefinite" restart="never" nodeType="tmRoot"/>
-      </p:par>
-    </p:tnLst>
-  </p:timing>
 </p:sld>
 </file>
 
@@ -6512,25 +6453,6 @@
           <a:chExt cx="0" cy="0"/>
         </a:xfrm>
       </p:grpSpPr>
-      <p:sp>
-        <p:nvSpPr>
-          <p:cNvPr id="2" name="Title 1"/>
-          <p:cNvSpPr>
-            <a:spLocks noGrp="1"/>
-          </p:cNvSpPr>
-          <p:nvPr>
-            <p:ph type="title"/>
-          </p:nvPr>
-        </p:nvSpPr>
-        <p:spPr/>
-        <p:txBody>
-          <a:bodyPr/>
-          <a:lstStyle/>
-          <a:p>
-            <a:endParaRPr lang="en-US"/>
-          </a:p>
-        </p:txBody>
-      </p:sp>
       <p:pic>
         <p:nvPicPr>
           <p:cNvPr id="14338" name="Picture 2" descr="C:\Users\Souparnika pc\Desktop\Untitled.png"/>
@@ -6556,7 +6478,7 @@
         </p:blipFill>
         <p:spPr bwMode="auto">
           <a:xfrm>
-            <a:off x="-24459" y="1295400"/>
+            <a:off x="228600" y="1107146"/>
             <a:ext cx="7796858" cy="4643708"/>
           </a:xfrm>
           <a:prstGeom prst="rect">
@@ -6584,13 +6506,6 @@
   <p:clrMapOvr>
     <a:masterClrMapping/>
   </p:clrMapOvr>
-  <p:timing>
-    <p:tnLst>
-      <p:par>
-        <p:cTn id="1" dur="indefinite" restart="never" nodeType="tmRoot"/>
-      </p:par>
-    </p:tnLst>
-  </p:timing>
 </p:sld>
 </file>
 
@@ -6611,25 +6526,6 @@
           <a:chExt cx="0" cy="0"/>
         </a:xfrm>
       </p:grpSpPr>
-      <p:sp>
-        <p:nvSpPr>
-          <p:cNvPr id="2" name="Title 1"/>
-          <p:cNvSpPr>
-            <a:spLocks noGrp="1"/>
-          </p:cNvSpPr>
-          <p:nvPr>
-            <p:ph type="title"/>
-          </p:nvPr>
-        </p:nvSpPr>
-        <p:spPr/>
-        <p:txBody>
-          <a:bodyPr/>
-          <a:lstStyle/>
-          <a:p>
-            <a:endParaRPr lang="en-US"/>
-          </a:p>
-        </p:txBody>
-      </p:sp>
       <p:pic>
         <p:nvPicPr>
           <p:cNvPr id="15362" name="Picture 2" descr="C:\Users\Souparnika pc\Desktop\Untitled.png"/>
@@ -6655,7 +6551,7 @@
         </p:blipFill>
         <p:spPr bwMode="auto">
           <a:xfrm>
-            <a:off x="685800" y="1600200"/>
+            <a:off x="1371600" y="1583441"/>
             <a:ext cx="6096351" cy="3691117"/>
           </a:xfrm>
           <a:prstGeom prst="rect">
@@ -6683,13 +6579,6 @@
   <p:clrMapOvr>
     <a:masterClrMapping/>
   </p:clrMapOvr>
-  <p:timing>
-    <p:tnLst>
-      <p:par>
-        <p:cTn id="1" dur="indefinite" restart="never" nodeType="tmRoot"/>
-      </p:par>
-    </p:tnLst>
-  </p:timing>
 </p:sld>
 </file>
 
@@ -6710,25 +6599,6 @@
           <a:chExt cx="0" cy="0"/>
         </a:xfrm>
       </p:grpSpPr>
-      <p:sp>
-        <p:nvSpPr>
-          <p:cNvPr id="2" name="Title 1"/>
-          <p:cNvSpPr>
-            <a:spLocks noGrp="1"/>
-          </p:cNvSpPr>
-          <p:nvPr>
-            <p:ph type="title"/>
-          </p:nvPr>
-        </p:nvSpPr>
-        <p:spPr/>
-        <p:txBody>
-          <a:bodyPr/>
-          <a:lstStyle/>
-          <a:p>
-            <a:endParaRPr lang="en-US"/>
-          </a:p>
-        </p:txBody>
-      </p:sp>
       <p:pic>
         <p:nvPicPr>
           <p:cNvPr id="16386" name="Picture 2" descr="C:\Users\Souparnika pc\Desktop\Untitled.png"/>
@@ -6782,13 +6652,6 @@
   <p:clrMapOvr>
     <a:masterClrMapping/>
   </p:clrMapOvr>
-  <p:timing>
-    <p:tnLst>
-      <p:par>
-        <p:cTn id="1" dur="indefinite" restart="never" nodeType="tmRoot"/>
-      </p:par>
-    </p:tnLst>
-  </p:timing>
 </p:sld>
 </file>
 
@@ -6809,44 +6672,6 @@
           <a:chExt cx="0" cy="0"/>
         </a:xfrm>
       </p:grpSpPr>
-      <p:sp>
-        <p:nvSpPr>
-          <p:cNvPr id="2" name="Title 1"/>
-          <p:cNvSpPr>
-            <a:spLocks noGrp="1"/>
-          </p:cNvSpPr>
-          <p:nvPr>
-            <p:ph type="title"/>
-          </p:nvPr>
-        </p:nvSpPr>
-        <p:spPr/>
-        <p:txBody>
-          <a:bodyPr/>
-          <a:lstStyle/>
-          <a:p>
-            <a:endParaRPr lang="en-US"/>
-          </a:p>
-        </p:txBody>
-      </p:sp>
-      <p:sp>
-        <p:nvSpPr>
-          <p:cNvPr id="3" name="Content Placeholder 2"/>
-          <p:cNvSpPr>
-            <a:spLocks noGrp="1"/>
-          </p:cNvSpPr>
-          <p:nvPr>
-            <p:ph idx="1"/>
-          </p:nvPr>
-        </p:nvSpPr>
-        <p:spPr/>
-        <p:txBody>
-          <a:bodyPr/>
-          <a:lstStyle/>
-          <a:p>
-            <a:endParaRPr lang="en-US"/>
-          </a:p>
-        </p:txBody>
-      </p:sp>
       <p:pic>
         <p:nvPicPr>
           <p:cNvPr id="17410" name="Picture 2" descr="C:\Users\Souparnika pc\Desktop\Untitled.png"/>
@@ -6870,7 +6695,7 @@
         </p:blipFill>
         <p:spPr bwMode="auto">
           <a:xfrm>
-            <a:off x="1727200" y="1728788"/>
+            <a:off x="1524000" y="1728787"/>
             <a:ext cx="5688013" cy="3400425"/>
           </a:xfrm>
           <a:prstGeom prst="rect">
@@ -6898,13 +6723,6 @@
   <p:clrMapOvr>
     <a:masterClrMapping/>
   </p:clrMapOvr>
-  <p:timing>
-    <p:tnLst>
-      <p:par>
-        <p:cTn id="1" dur="indefinite" restart="never" nodeType="tmRoot"/>
-      </p:par>
-    </p:tnLst>
-  </p:timing>
 </p:sld>
 </file>
 
@@ -6925,25 +6743,6 @@
           <a:chExt cx="0" cy="0"/>
         </a:xfrm>
       </p:grpSpPr>
-      <p:sp>
-        <p:nvSpPr>
-          <p:cNvPr id="2" name="Title 1"/>
-          <p:cNvSpPr>
-            <a:spLocks noGrp="1"/>
-          </p:cNvSpPr>
-          <p:nvPr>
-            <p:ph type="title"/>
-          </p:nvPr>
-        </p:nvSpPr>
-        <p:spPr/>
-        <p:txBody>
-          <a:bodyPr/>
-          <a:lstStyle/>
-          <a:p>
-            <a:endParaRPr lang="en-US"/>
-          </a:p>
-        </p:txBody>
-      </p:sp>
       <p:pic>
         <p:nvPicPr>
           <p:cNvPr id="18434" name="Picture 2" descr="C:\Users\Souparnika pc\Desktop\Untitled.png"/>
@@ -6969,7 +6768,7 @@
         </p:blipFill>
         <p:spPr bwMode="auto">
           <a:xfrm>
-            <a:off x="1271169" y="1699891"/>
+            <a:off x="1371600" y="1128391"/>
             <a:ext cx="5992062" cy="4601217"/>
           </a:xfrm>
           <a:prstGeom prst="rect">
@@ -6997,13 +6796,6 @@
   <p:clrMapOvr>
     <a:masterClrMapping/>
   </p:clrMapOvr>
-  <p:timing>
-    <p:tnLst>
-      <p:par>
-        <p:cTn id="1" dur="indefinite" restart="never" nodeType="tmRoot"/>
-      </p:par>
-    </p:tnLst>
-  </p:timing>
 </p:sld>
 </file>
 
@@ -7045,10 +6837,9 @@
           <a:lstStyle/>
           <a:p>
             <a:r>
-              <a:rPr lang="en-US" dirty="0" smtClean="0"/>
+              <a:rPr lang="en-US" dirty="0"/>
               <a:t>SNMP</a:t>
             </a:r>
-            <a:endParaRPr lang="en-US" dirty="0"/>
           </a:p>
         </p:txBody>
       </p:sp>
@@ -7064,8 +6855,8 @@
         </p:nvSpPr>
         <p:spPr>
           <a:xfrm>
-            <a:off x="0" y="685800"/>
-            <a:ext cx="8458200" cy="6172200"/>
+            <a:off x="0" y="914400"/>
+            <a:ext cx="8458200" cy="5943600"/>
           </a:xfrm>
         </p:spPr>
         <p:txBody>
@@ -7075,10 +6866,10 @@
           <a:lstStyle/>
           <a:p>
             <a:r>
-              <a:rPr lang="en-US" sz="2400" dirty="0" smtClean="0">
+              <a:rPr lang="en-US" sz="2400" dirty="0">
                 <a:latin typeface="+mj-lt"/>
               </a:rPr>
-              <a:t>Is a framework for managing g devices in an internet using  the TCP/IP Protocol suite.</a:t>
+              <a:t>Is a framework for managing devices in an internet using the TCP/IP Protocol suite.</a:t>
             </a:r>
           </a:p>
           <a:p>
@@ -7091,10 +6882,10 @@
           </a:p>
           <a:p>
             <a:r>
-              <a:rPr lang="en-US" sz="2400" dirty="0" smtClean="0">
+              <a:rPr lang="en-US" sz="2400" dirty="0">
                 <a:latin typeface="+mj-lt"/>
               </a:rPr>
-              <a:t>Provide s a set of fundamental operations for monitoring  and managing an internet.</a:t>
+              <a:t>Provides a set of fundamental operations for monitoring and managing an internet.</a:t>
             </a:r>
           </a:p>
           <a:p>
@@ -7107,13 +6898,31 @@
               <a:rPr lang="en-US" altLang="en-US" sz="2400" dirty="0">
                 <a:latin typeface="+mj-lt"/>
               </a:rPr>
-              <a:t>SNMP uses the concept of manager and </a:t>
-            </a:r>
-            <a:r>
-              <a:rPr lang="en-US" altLang="en-US" sz="2400" dirty="0" smtClean="0">
+              <a:t>SNMP uses the concept of </a:t>
+            </a:r>
+            <a:r>
+              <a:rPr lang="en-US" altLang="en-US" sz="2400" b="1" dirty="0">
                 <a:latin typeface="+mj-lt"/>
               </a:rPr>
-              <a:t>agent.</a:t>
+              <a:t>manager</a:t>
+            </a:r>
+            <a:r>
+              <a:rPr lang="en-US" altLang="en-US" sz="2400" dirty="0">
+                <a:latin typeface="+mj-lt"/>
+              </a:rPr>
+              <a:t> and </a:t>
+            </a:r>
+            <a:r>
+              <a:rPr lang="en-US" altLang="en-US" sz="2400" b="1" dirty="0">
+                <a:latin typeface="+mj-lt"/>
+              </a:rPr>
+              <a:t>agent</a:t>
+            </a:r>
+            <a:r>
+              <a:rPr lang="en-US" altLang="en-US" sz="2400" dirty="0">
+                <a:latin typeface="+mj-lt"/>
+              </a:rPr>
+              <a:t>.</a:t>
             </a:r>
           </a:p>
           <a:p>
@@ -7126,13 +6935,7 @@
               <a:rPr lang="en-US" altLang="en-US" sz="2400" dirty="0">
                 <a:latin typeface="+mj-lt"/>
               </a:rPr>
-              <a:t>That is, a manager, usually a host, controls and monitors a set of agents, usually routers or </a:t>
-            </a:r>
-            <a:r>
-              <a:rPr lang="en-US" altLang="en-US" sz="2400" dirty="0" smtClean="0">
-                <a:latin typeface="+mj-lt"/>
-              </a:rPr>
-              <a:t>servers.</a:t>
+              <a:t>That is, a manager, usually a host, controls and monitors a set of agents, usually routers or servers.</a:t>
             </a:r>
           </a:p>
           <a:p>
@@ -7142,22 +6945,10 @@
           </a:p>
           <a:p>
             <a:r>
-              <a:rPr lang="en-US" sz="2400" dirty="0" smtClean="0">
+              <a:rPr lang="en-US" sz="2400" dirty="0">
                 <a:latin typeface="+mj-lt"/>
               </a:rPr>
-              <a:t>It can be used in a heterogeneous internet with different LANs and WANs  connected by routers made by </a:t>
-            </a:r>
-            <a:r>
-              <a:rPr lang="en-US" sz="2400" dirty="0" err="1" smtClean="0">
-                <a:latin typeface="+mj-lt"/>
-              </a:rPr>
-              <a:t>differenet</a:t>
-            </a:r>
-            <a:r>
-              <a:rPr lang="en-US" sz="2400" dirty="0" smtClean="0">
-                <a:latin typeface="+mj-lt"/>
-              </a:rPr>
-              <a:t> manufactures </a:t>
+              <a:t>It can be used in a heterogeneous internet with different LANs and WANs connected by routers made by different manufacturers. </a:t>
             </a:r>
           </a:p>
           <a:p>
@@ -7182,13 +6973,6 @@
   <p:clrMapOvr>
     <a:masterClrMapping/>
   </p:clrMapOvr>
-  <p:timing>
-    <p:tnLst>
-      <p:par>
-        <p:cTn id="1" dur="indefinite" restart="never" nodeType="tmRoot"/>
-      </p:par>
-    </p:tnLst>
-  </p:timing>
 </p:sld>
 </file>
 
@@ -7209,25 +6993,6 @@
           <a:chExt cx="0" cy="0"/>
         </a:xfrm>
       </p:grpSpPr>
-      <p:sp>
-        <p:nvSpPr>
-          <p:cNvPr id="2" name="Title 1"/>
-          <p:cNvSpPr>
-            <a:spLocks noGrp="1"/>
-          </p:cNvSpPr>
-          <p:nvPr>
-            <p:ph type="title"/>
-          </p:nvPr>
-        </p:nvSpPr>
-        <p:spPr/>
-        <p:txBody>
-          <a:bodyPr/>
-          <a:lstStyle/>
-          <a:p>
-            <a:endParaRPr lang="en-US"/>
-          </a:p>
-        </p:txBody>
-      </p:sp>
       <p:pic>
         <p:nvPicPr>
           <p:cNvPr id="2050" name="Picture 2"/>
@@ -7304,13 +7069,6 @@
   <p:clrMapOvr>
     <a:masterClrMapping/>
   </p:clrMapOvr>
-  <p:timing>
-    <p:tnLst>
-      <p:par>
-        <p:cTn id="1" dur="indefinite" restart="never" nodeType="tmRoot"/>
-      </p:par>
-    </p:tnLst>
-  </p:timing>
 </p:sld>
 </file>
 
@@ -7352,10 +7110,9 @@
           <a:lstStyle/>
           <a:p>
             <a:r>
-              <a:rPr lang="en-US" dirty="0" smtClean="0"/>
+              <a:rPr lang="en-US" dirty="0"/>
               <a:t>Managers and agents</a:t>
             </a:r>
-            <a:endParaRPr lang="en-US" dirty="0"/>
           </a:p>
         </p:txBody>
       </p:sp>
@@ -7380,36 +7137,28 @@
           <a:lstStyle/>
           <a:p>
             <a:r>
-              <a:rPr lang="en-US" sz="3200" dirty="0" smtClean="0"/>
+              <a:rPr lang="en-US" sz="3200" dirty="0"/>
               <a:t>Manager</a:t>
             </a:r>
           </a:p>
           <a:p>
             <a:pPr lvl="1"/>
             <a:r>
-              <a:rPr lang="en-US" sz="2400" dirty="0" smtClean="0"/>
+              <a:rPr lang="en-US" sz="2400" dirty="0"/>
               <a:t>That runs SNMP client program.</a:t>
             </a:r>
           </a:p>
           <a:p>
             <a:pPr lvl="1"/>
             <a:r>
-              <a:rPr lang="en-US" sz="2400" dirty="0" smtClean="0"/>
-              <a:t>A manager can checks an agent by requesting </a:t>
-            </a:r>
-            <a:r>
-              <a:rPr lang="en-US" sz="2400" dirty="0" smtClean="0"/>
-              <a:t>information </a:t>
-            </a:r>
-            <a:r>
-              <a:rPr lang="en-US" sz="2400" dirty="0" smtClean="0"/>
-              <a:t>from agent.</a:t>
+              <a:rPr lang="en-US" sz="2400" dirty="0"/>
+              <a:t>A manager can checks an agent by requesting information from agent.</a:t>
             </a:r>
           </a:p>
           <a:p>
             <a:pPr lvl="1"/>
             <a:r>
-              <a:rPr lang="en-US" sz="2400" dirty="0" smtClean="0"/>
+              <a:rPr lang="en-US" sz="2400" dirty="0"/>
               <a:t>It can forces an agent to perform a task by resetting values in agent db.</a:t>
             </a:r>
           </a:p>
@@ -7417,13 +7166,13 @@
             <a:pPr marL="411480" lvl="1" indent="0">
               <a:buNone/>
             </a:pPr>
-            <a:endParaRPr lang="en-US" sz="2400" dirty="0" smtClean="0"/>
+            <a:endParaRPr lang="en-US" sz="2400" dirty="0"/>
           </a:p>
           <a:p>
             <a:pPr marL="411480" lvl="1" indent="0">
               <a:buNone/>
             </a:pPr>
-            <a:endParaRPr lang="en-US" sz="2400" dirty="0" smtClean="0"/>
+            <a:endParaRPr lang="en-US" sz="2400" dirty="0"/>
           </a:p>
           <a:p>
             <a:pPr lvl="1"/>
@@ -7433,7 +7182,7 @@
             <a:pPr marL="411480" lvl="1" indent="0">
               <a:buNone/>
             </a:pPr>
-            <a:endParaRPr lang="en-US" dirty="0" smtClean="0"/>
+            <a:endParaRPr lang="en-US" dirty="0"/>
           </a:p>
           <a:p>
             <a:pPr lvl="1"/>
@@ -7451,13 +7200,6 @@
   <p:clrMapOvr>
     <a:masterClrMapping/>
   </p:clrMapOvr>
-  <p:timing>
-    <p:tnLst>
-      <p:par>
-        <p:cTn id="1" dur="indefinite" restart="never" nodeType="tmRoot"/>
-      </p:par>
-    </p:tnLst>
-  </p:timing>
 </p:sld>
 </file>
 
@@ -7490,8 +7232,8 @@
         </p:nvSpPr>
         <p:spPr>
           <a:xfrm>
-            <a:off x="0" y="0"/>
-            <a:ext cx="8458200" cy="6858000"/>
+            <a:off x="0" y="457200"/>
+            <a:ext cx="8458200" cy="6400800"/>
           </a:xfrm>
         </p:spPr>
         <p:txBody>
@@ -7499,36 +7241,36 @@
           <a:lstStyle/>
           <a:p>
             <a:r>
-              <a:rPr lang="en-US" sz="3200" dirty="0" smtClean="0"/>
+              <a:rPr lang="en-US" sz="3200" dirty="0"/>
               <a:t>Agent:</a:t>
             </a:r>
           </a:p>
           <a:p>
             <a:pPr lvl="1"/>
             <a:r>
-              <a:rPr lang="en-US" sz="2400" dirty="0" smtClean="0"/>
-              <a:t>Managed station</a:t>
+              <a:rPr lang="en-US" sz="2400" dirty="0"/>
+              <a:t>Managed station. </a:t>
             </a:r>
           </a:p>
           <a:p>
             <a:pPr lvl="1"/>
             <a:r>
-              <a:rPr lang="en-US" sz="2400" dirty="0" smtClean="0"/>
-              <a:t>Normally a router that runs the SNMP server program</a:t>
+              <a:rPr lang="en-US" sz="2400" dirty="0"/>
+              <a:t>Normally a router that runs the SNMP server program. </a:t>
             </a:r>
           </a:p>
           <a:p>
             <a:pPr lvl="1"/>
             <a:r>
-              <a:rPr lang="en-US" sz="2400" dirty="0" smtClean="0"/>
+              <a:rPr lang="en-US" sz="2400" dirty="0"/>
               <a:t>It keeps performance information in a database.</a:t>
             </a:r>
           </a:p>
           <a:p>
             <a:pPr lvl="1"/>
             <a:r>
-              <a:rPr lang="en-US" sz="2400" dirty="0" smtClean="0"/>
-              <a:t>Server program running on agent can check the environment, if notices something unusual , it can send warning message(trap) ,to manager.</a:t>
+              <a:rPr lang="en-US" sz="2400" dirty="0"/>
+              <a:t>Server program running on agent can check the environment, if notices something unusual, it can send warning message (trap), to manager.</a:t>
             </a:r>
           </a:p>
           <a:p>
@@ -7547,13 +7289,6 @@
   <p:clrMapOvr>
     <a:masterClrMapping/>
   </p:clrMapOvr>
-  <p:timing>
-    <p:tnLst>
-      <p:par>
-        <p:cTn id="1" dur="indefinite" restart="never" nodeType="tmRoot"/>
-      </p:par>
-    </p:tnLst>
-  </p:timing>
 </p:sld>
 </file>
 
@@ -7595,17 +7330,9 @@
           <a:lstStyle/>
           <a:p>
             <a:r>
-              <a:rPr lang="en-US" dirty="0" err="1" smtClean="0"/>
-              <a:t>Mangement</a:t>
-            </a:r>
-            <a:r>
-              <a:rPr lang="en-US" dirty="0" smtClean="0"/>
-              <a:t> components</a:t>
-            </a:r>
-            <a:br>
-              <a:rPr lang="en-US" dirty="0" smtClean="0"/>
-            </a:br>
-            <a:endParaRPr lang="en-US" dirty="0"/>
+              <a:rPr lang="en-US" dirty="0"/>
+              <a:t>Management components</a:t>
+            </a:r>
           </a:p>
         </p:txBody>
       </p:sp>
@@ -7698,30 +7425,21 @@
           <a:lstStyle/>
           <a:p>
             <a:r>
-              <a:rPr lang="en-US" sz="2400" dirty="0" smtClean="0"/>
-              <a:t>To do management  tasks  uses 2 protocols </a:t>
-            </a:r>
-          </a:p>
-          <a:p>
-            <a:r>
               <a:rPr lang="en-US" sz="2400" dirty="0"/>
-              <a:t>	</a:t>
-            </a:r>
-            <a:r>
-              <a:rPr lang="en-US" sz="2400" dirty="0" smtClean="0"/>
-              <a:t>*Structure of Management Information (SMI)</a:t>
+              <a:t>To do management tasks, uses 2 protocols: </a:t>
             </a:r>
           </a:p>
           <a:p>
             <a:r>
               <a:rPr lang="en-US" sz="2400" dirty="0"/>
-              <a:t>	</a:t>
-            </a:r>
-            <a:r>
-              <a:rPr lang="en-US" sz="2400" dirty="0" smtClean="0"/>
-              <a:t>*Management Information Base(MIB)</a:t>
-            </a:r>
-            <a:endParaRPr lang="en-US" sz="2400" dirty="0"/>
+              <a:t>	*Structure of Management Information (SMI)</a:t>
+            </a:r>
+          </a:p>
+          <a:p>
+            <a:r>
+              <a:rPr lang="en-US" sz="2400" dirty="0"/>
+              <a:t>	*Management Information Base(MIB)</a:t>
+            </a:r>
           </a:p>
         </p:txBody>
       </p:sp>
@@ -7735,13 +7453,6 @@
   <p:clrMapOvr>
     <a:masterClrMapping/>
   </p:clrMapOvr>
-  <p:timing>
-    <p:tnLst>
-      <p:par>
-        <p:cTn id="1" dur="indefinite" restart="never" nodeType="tmRoot"/>
-      </p:par>
-    </p:tnLst>
-  </p:timing>
 </p:sld>
 </file>
 
@@ -7778,10 +7489,9 @@
           <a:lstStyle/>
           <a:p>
             <a:r>
-              <a:rPr lang="en-US" dirty="0" smtClean="0"/>
+              <a:rPr lang="en-US" dirty="0"/>
               <a:t>Role of SNMP</a:t>
             </a:r>
-            <a:endParaRPr lang="en-US" dirty="0"/>
           </a:p>
         </p:txBody>
       </p:sp>
@@ -7814,22 +7524,10 @@
           </a:p>
           <a:p>
             <a:r>
-              <a:rPr lang="en-US" altLang="en-US" sz="2400" i="1" dirty="0">
+              <a:rPr lang="en-US" altLang="en-US" sz="2400" dirty="0">
                 <a:latin typeface="Arial" charset="0"/>
               </a:rPr>
-              <a:t>SNMP defines the format of packets exchanged between a manager and an </a:t>
-            </a:r>
-            <a:r>
-              <a:rPr lang="en-US" altLang="en-US" sz="2400" i="1" dirty="0" smtClean="0">
-                <a:latin typeface="Arial" charset="0"/>
-              </a:rPr>
-              <a:t>agent. </a:t>
-            </a:r>
-            <a:r>
-              <a:rPr lang="en-US" altLang="en-US" sz="2400" i="1" dirty="0">
-                <a:latin typeface="Arial" charset="0"/>
-              </a:rPr>
-              <a:t>It reads and changes the status of objects (values of variables) in SNMP packets.</a:t>
+              <a:t>SNMP defines the format of packets exchanged between a manager and an agent. It reads and changes the status of objects (values of variables) in SNMP packets.</a:t>
             </a:r>
           </a:p>
           <a:p>
@@ -7847,13 +7545,6 @@
   <p:clrMapOvr>
     <a:masterClrMapping/>
   </p:clrMapOvr>
-  <p:timing>
-    <p:tnLst>
-      <p:par>
-        <p:cTn id="1" dur="indefinite" restart="never" nodeType="tmRoot"/>
-      </p:par>
-    </p:tnLst>
-  </p:timing>
 </p:sld>
 </file>
 
@@ -8088,4 +7779,299 @@
   <a:objectDefaults/>
   <a:extraClrSchemeLst/>
 </a:theme>
+</file>
+
+<file path=ppt/theme/theme2.xml><?xml version="1.0" encoding="utf-8"?>
+<a:theme xmlns:a="http://schemas.openxmlformats.org/drawingml/2006/main" name="Office Theme">
+  <a:themeElements>
+    <a:clrScheme name="Office">
+      <a:dk1>
+        <a:sysClr val="windowText" lastClr="000000"/>
+      </a:dk1>
+      <a:lt1>
+        <a:sysClr val="window" lastClr="FFFFFF"/>
+      </a:lt1>
+      <a:dk2>
+        <a:srgbClr val="44546A"/>
+      </a:dk2>
+      <a:lt2>
+        <a:srgbClr val="E7E6E6"/>
+      </a:lt2>
+      <a:accent1>
+        <a:srgbClr val="4472C4"/>
+      </a:accent1>
+      <a:accent2>
+        <a:srgbClr val="ED7D31"/>
+      </a:accent2>
+      <a:accent3>
+        <a:srgbClr val="A5A5A5"/>
+      </a:accent3>
+      <a:accent4>
+        <a:srgbClr val="FFC000"/>
+      </a:accent4>
+      <a:accent5>
+        <a:srgbClr val="5B9BD5"/>
+      </a:accent5>
+      <a:accent6>
+        <a:srgbClr val="70AD47"/>
+      </a:accent6>
+      <a:hlink>
+        <a:srgbClr val="0563C1"/>
+      </a:hlink>
+      <a:folHlink>
+        <a:srgbClr val="954F72"/>
+      </a:folHlink>
+    </a:clrScheme>
+    <a:fontScheme name="Office">
+      <a:majorFont>
+        <a:latin typeface="Calibri Light" panose="020F0302020204030204"/>
+        <a:ea typeface=""/>
+        <a:cs typeface=""/>
+        <a:font script="Jpan" typeface="游ゴシック Light"/>
+        <a:font script="Hang" typeface="맑은 고딕"/>
+        <a:font script="Hans" typeface="等线 Light"/>
+        <a:font script="Hant" typeface="新細明體"/>
+        <a:font script="Arab" typeface="Times New Roman"/>
+        <a:font script="Hebr" typeface="Times New Roman"/>
+        <a:font script="Thai" typeface="Angsana New"/>
+        <a:font script="Ethi" typeface="Nyala"/>
+        <a:font script="Beng" typeface="Vrinda"/>
+        <a:font script="Gujr" typeface="Shruti"/>
+        <a:font script="Khmr" typeface="MoolBoran"/>
+        <a:font script="Knda" typeface="Tunga"/>
+        <a:font script="Guru" typeface="Raavi"/>
+        <a:font script="Cans" typeface="Euphemia"/>
+        <a:font script="Cher" typeface="Plantagenet Cherokee"/>
+        <a:font script="Yiii" typeface="Microsoft Yi Baiti"/>
+        <a:font script="Tibt" typeface="Microsoft Himalaya"/>
+        <a:font script="Thaa" typeface="MV Boli"/>
+        <a:font script="Deva" typeface="Mangal"/>
+        <a:font script="Telu" typeface="Gautami"/>
+        <a:font script="Taml" typeface="Latha"/>
+        <a:font script="Syrc" typeface="Estrangelo Edessa"/>
+        <a:font script="Orya" typeface="Kalinga"/>
+        <a:font script="Mlym" typeface="Kartika"/>
+        <a:font script="Laoo" typeface="DokChampa"/>
+        <a:font script="Sinh" typeface="Iskoola Pota"/>
+        <a:font script="Mong" typeface="Mongolian Baiti"/>
+        <a:font script="Viet" typeface="Times New Roman"/>
+        <a:font script="Uigh" typeface="Microsoft Uighur"/>
+        <a:font script="Geor" typeface="Sylfaen"/>
+        <a:font script="Armn" typeface="Arial"/>
+        <a:font script="Bugi" typeface="Leelawadee UI"/>
+        <a:font script="Bopo" typeface="Microsoft JhengHei"/>
+        <a:font script="Java" typeface="Javanese Text"/>
+        <a:font script="Lisu" typeface="Segoe UI"/>
+        <a:font script="Mymr" typeface="Myanmar Text"/>
+        <a:font script="Nkoo" typeface="Ebrima"/>
+        <a:font script="Olck" typeface="Nirmala UI"/>
+        <a:font script="Osma" typeface="Ebrima"/>
+        <a:font script="Phag" typeface="Phagspa"/>
+        <a:font script="Syrn" typeface="Estrangelo Edessa"/>
+        <a:font script="Syrj" typeface="Estrangelo Edessa"/>
+        <a:font script="Syre" typeface="Estrangelo Edessa"/>
+        <a:font script="Sora" typeface="Nirmala UI"/>
+        <a:font script="Tale" typeface="Microsoft Tai Le"/>
+        <a:font script="Talu" typeface="Microsoft New Tai Lue"/>
+        <a:font script="Tfng" typeface="Ebrima"/>
+      </a:majorFont>
+      <a:minorFont>
+        <a:latin typeface="Calibri" panose="020F0502020204030204"/>
+        <a:ea typeface=""/>
+        <a:cs typeface=""/>
+        <a:font script="Jpan" typeface="游ゴシック"/>
+        <a:font script="Hang" typeface="맑은 고딕"/>
+        <a:font script="Hans" typeface="等线"/>
+        <a:font script="Hant" typeface="新細明體"/>
+        <a:font script="Arab" typeface="Arial"/>
+        <a:font script="Hebr" typeface="Arial"/>
+        <a:font script="Thai" typeface="Cordia New"/>
+        <a:font script="Ethi" typeface="Nyala"/>
+        <a:font script="Beng" typeface="Vrinda"/>
+        <a:font script="Gujr" typeface="Shruti"/>
+        <a:font script="Khmr" typeface="DaunPenh"/>
+        <a:font script="Knda" typeface="Tunga"/>
+        <a:font script="Guru" typeface="Raavi"/>
+        <a:font script="Cans" typeface="Euphemia"/>
+        <a:font script="Cher" typeface="Plantagenet Cherokee"/>
+        <a:font script="Yiii" typeface="Microsoft Yi Baiti"/>
+        <a:font script="Tibt" typeface="Microsoft Himalaya"/>
+        <a:font script="Thaa" typeface="MV Boli"/>
+        <a:font script="Deva" typeface="Mangal"/>
+        <a:font script="Telu" typeface="Gautami"/>
+        <a:font script="Taml" typeface="Latha"/>
+        <a:font script="Syrc" typeface="Estrangelo Edessa"/>
+        <a:font script="Orya" typeface="Kalinga"/>
+        <a:font script="Mlym" typeface="Kartika"/>
+        <a:font script="Laoo" typeface="DokChampa"/>
+        <a:font script="Sinh" typeface="Iskoola Pota"/>
+        <a:font script="Mong" typeface="Mongolian Baiti"/>
+        <a:font script="Viet" typeface="Arial"/>
+        <a:font script="Uigh" typeface="Microsoft Uighur"/>
+        <a:font script="Geor" typeface="Sylfaen"/>
+        <a:font script="Armn" typeface="Arial"/>
+        <a:font script="Bugi" typeface="Leelawadee UI"/>
+        <a:font script="Bopo" typeface="Microsoft JhengHei"/>
+        <a:font script="Java" typeface="Javanese Text"/>
+        <a:font script="Lisu" typeface="Segoe UI"/>
+        <a:font script="Mymr" typeface="Myanmar Text"/>
+        <a:font script="Nkoo" typeface="Ebrima"/>
+        <a:font script="Olck" typeface="Nirmala UI"/>
+        <a:font script="Osma" typeface="Ebrima"/>
+        <a:font script="Phag" typeface="Phagspa"/>
+        <a:font script="Syrn" typeface="Estrangelo Edessa"/>
+        <a:font script="Syrj" typeface="Estrangelo Edessa"/>
+        <a:font script="Syre" typeface="Estrangelo Edessa"/>
+        <a:font script="Sora" typeface="Nirmala UI"/>
+        <a:font script="Tale" typeface="Microsoft Tai Le"/>
+        <a:font script="Talu" typeface="Microsoft New Tai Lue"/>
+        <a:font script="Tfng" typeface="Ebrima"/>
+      </a:minorFont>
+    </a:fontScheme>
+    <a:fmtScheme name="Office">
+      <a:fillStyleLst>
+        <a:solidFill>
+          <a:schemeClr val="phClr"/>
+        </a:solidFill>
+        <a:gradFill rotWithShape="1">
+          <a:gsLst>
+            <a:gs pos="0">
+              <a:schemeClr val="phClr">
+                <a:lumMod val="110000"/>
+                <a:satMod val="105000"/>
+                <a:tint val="67000"/>
+              </a:schemeClr>
+            </a:gs>
+            <a:gs pos="50000">
+              <a:schemeClr val="phClr">
+                <a:lumMod val="105000"/>
+                <a:satMod val="103000"/>
+                <a:tint val="73000"/>
+              </a:schemeClr>
+            </a:gs>
+            <a:gs pos="100000">
+              <a:schemeClr val="phClr">
+                <a:lumMod val="105000"/>
+                <a:satMod val="109000"/>
+                <a:tint val="81000"/>
+              </a:schemeClr>
+            </a:gs>
+          </a:gsLst>
+          <a:lin ang="5400000" scaled="0"/>
+        </a:gradFill>
+        <a:gradFill rotWithShape="1">
+          <a:gsLst>
+            <a:gs pos="0">
+              <a:schemeClr val="phClr">
+                <a:satMod val="103000"/>
+                <a:lumMod val="102000"/>
+                <a:tint val="94000"/>
+              </a:schemeClr>
+            </a:gs>
+            <a:gs pos="50000">
+              <a:schemeClr val="phClr">
+                <a:satMod val="110000"/>
+                <a:lumMod val="100000"/>
+                <a:shade val="100000"/>
+              </a:schemeClr>
+            </a:gs>
+            <a:gs pos="100000">
+              <a:schemeClr val="phClr">
+                <a:lumMod val="99000"/>
+                <a:satMod val="120000"/>
+                <a:shade val="78000"/>
+              </a:schemeClr>
+            </a:gs>
+          </a:gsLst>
+          <a:lin ang="5400000" scaled="0"/>
+        </a:gradFill>
+      </a:fillStyleLst>
+      <a:lnStyleLst>
+        <a:ln w="6350" cap="flat" cmpd="sng" algn="ctr">
+          <a:solidFill>
+            <a:schemeClr val="phClr"/>
+          </a:solidFill>
+          <a:prstDash val="solid"/>
+          <a:miter lim="800000"/>
+        </a:ln>
+        <a:ln w="12700" cap="flat" cmpd="sng" algn="ctr">
+          <a:solidFill>
+            <a:schemeClr val="phClr"/>
+          </a:solidFill>
+          <a:prstDash val="solid"/>
+          <a:miter lim="800000"/>
+        </a:ln>
+        <a:ln w="19050" cap="flat" cmpd="sng" algn="ctr">
+          <a:solidFill>
+            <a:schemeClr val="phClr"/>
+          </a:solidFill>
+          <a:prstDash val="solid"/>
+          <a:miter lim="800000"/>
+        </a:ln>
+      </a:lnStyleLst>
+      <a:effectStyleLst>
+        <a:effectStyle>
+          <a:effectLst/>
+        </a:effectStyle>
+        <a:effectStyle>
+          <a:effectLst/>
+        </a:effectStyle>
+        <a:effectStyle>
+          <a:effectLst>
+            <a:outerShdw blurRad="57150" dist="19050" dir="5400000" algn="ctr" rotWithShape="0">
+              <a:srgbClr val="000000">
+                <a:alpha val="63000"/>
+              </a:srgbClr>
+            </a:outerShdw>
+          </a:effectLst>
+        </a:effectStyle>
+      </a:effectStyleLst>
+      <a:bgFillStyleLst>
+        <a:solidFill>
+          <a:schemeClr val="phClr"/>
+        </a:solidFill>
+        <a:solidFill>
+          <a:schemeClr val="phClr">
+            <a:tint val="95000"/>
+            <a:satMod val="170000"/>
+          </a:schemeClr>
+        </a:solidFill>
+        <a:gradFill rotWithShape="1">
+          <a:gsLst>
+            <a:gs pos="0">
+              <a:schemeClr val="phClr">
+                <a:tint val="93000"/>
+                <a:satMod val="150000"/>
+                <a:shade val="98000"/>
+                <a:lumMod val="102000"/>
+              </a:schemeClr>
+            </a:gs>
+            <a:gs pos="50000">
+              <a:schemeClr val="phClr">
+                <a:tint val="98000"/>
+                <a:satMod val="130000"/>
+                <a:shade val="90000"/>
+                <a:lumMod val="103000"/>
+              </a:schemeClr>
+            </a:gs>
+            <a:gs pos="100000">
+              <a:schemeClr val="phClr">
+                <a:shade val="63000"/>
+                <a:satMod val="120000"/>
+              </a:schemeClr>
+            </a:gs>
+          </a:gsLst>
+          <a:lin ang="5400000" scaled="0"/>
+        </a:gradFill>
+      </a:bgFillStyleLst>
+    </a:fmtScheme>
+  </a:themeElements>
+  <a:objectDefaults/>
+  <a:extraClrSchemeLst/>
+  <a:extLst>
+    <a:ext uri="{05A4C25C-085E-4340-85A3-A5531E510DB2}">
+      <thm15:themeFamily xmlns:thm15="http://schemas.microsoft.com/office/thememl/2012/main" name="Office Theme" id="{62F939B6-93AF-4DB8-9C6B-D6C7DFDC589F}" vid="{4A3C46E8-61CC-4603-A589-7422A47A8E4A}"/>
+    </a:ext>
+  </a:extLst>
+</a:theme>
 </file>
--- a/03. Computer Networks/PPTs/6.5. SNMP.pptx
+++ b/03. Computer Networks/PPTs/6.5. SNMP.pptx
@@ -17,7 +17,7 @@
     <p:sldId id="260" r:id="rId8"/>
     <p:sldId id="263" r:id="rId9"/>
     <p:sldId id="264" r:id="rId10"/>
-    <p:sldId id="265" r:id="rId11"/>
+    <p:sldId id="293" r:id="rId11"/>
     <p:sldId id="266" r:id="rId12"/>
     <p:sldId id="267" r:id="rId13"/>
     <p:sldId id="268" r:id="rId14"/>
@@ -244,7 +244,7 @@
           <a:p>
             <a:fld id="{C4A241D5-B2AD-4D5F-A994-1A933A51D419}" type="datetimeFigureOut">
               <a:rPr lang="en-IN" smtClean="0"/>
-              <a:t>01-04-2020</a:t>
+              <a:t>24-04-2020</a:t>
             </a:fld>
             <a:endParaRPr lang="en-IN"/>
           </a:p>
@@ -790,7 +790,7 @@
           <a:p>
             <a:fld id="{2B074AF0-6E2B-47C0-B1CC-428EF7953BA6}" type="datetimeFigureOut">
               <a:rPr lang="en-US" smtClean="0"/>
-              <a:t>4/1/2020</a:t>
+              <a:t>4/24/2020</a:t>
             </a:fld>
             <a:endParaRPr lang="en-US"/>
           </a:p>
@@ -953,7 +953,7 @@
           <a:p>
             <a:fld id="{2B074AF0-6E2B-47C0-B1CC-428EF7953BA6}" type="datetimeFigureOut">
               <a:rPr lang="en-US" smtClean="0"/>
-              <a:t>4/1/2020</a:t>
+              <a:t>4/24/2020</a:t>
             </a:fld>
             <a:endParaRPr lang="en-US"/>
           </a:p>
@@ -1127,7 +1127,7 @@
           <a:p>
             <a:fld id="{2B074AF0-6E2B-47C0-B1CC-428EF7953BA6}" type="datetimeFigureOut">
               <a:rPr lang="en-US" smtClean="0"/>
-              <a:t>4/1/2020</a:t>
+              <a:t>4/24/2020</a:t>
             </a:fld>
             <a:endParaRPr lang="en-US"/>
           </a:p>
@@ -1290,7 +1290,7 @@
           <a:p>
             <a:fld id="{2B074AF0-6E2B-47C0-B1CC-428EF7953BA6}" type="datetimeFigureOut">
               <a:rPr lang="en-US" smtClean="0"/>
-              <a:t>4/1/2020</a:t>
+              <a:t>4/24/2020</a:t>
             </a:fld>
             <a:endParaRPr lang="en-US"/>
           </a:p>
@@ -1531,7 +1531,7 @@
           <a:p>
             <a:fld id="{2B074AF0-6E2B-47C0-B1CC-428EF7953BA6}" type="datetimeFigureOut">
               <a:rPr lang="en-US" smtClean="0"/>
-              <a:t>4/1/2020</a:t>
+              <a:t>4/24/2020</a:t>
             </a:fld>
             <a:endParaRPr lang="en-US"/>
           </a:p>
@@ -1813,7 +1813,7 @@
           <a:p>
             <a:fld id="{2B074AF0-6E2B-47C0-B1CC-428EF7953BA6}" type="datetimeFigureOut">
               <a:rPr lang="en-US" smtClean="0"/>
-              <a:t>4/1/2020</a:t>
+              <a:t>4/24/2020</a:t>
             </a:fld>
             <a:endParaRPr lang="en-US"/>
           </a:p>
@@ -2240,7 +2240,7 @@
           <a:p>
             <a:fld id="{2B074AF0-6E2B-47C0-B1CC-428EF7953BA6}" type="datetimeFigureOut">
               <a:rPr lang="en-US" smtClean="0"/>
-              <a:t>4/1/2020</a:t>
+              <a:t>4/24/2020</a:t>
             </a:fld>
             <a:endParaRPr lang="en-US"/>
           </a:p>
@@ -2352,7 +2352,7 @@
           <a:p>
             <a:fld id="{2B074AF0-6E2B-47C0-B1CC-428EF7953BA6}" type="datetimeFigureOut">
               <a:rPr lang="en-US" smtClean="0"/>
-              <a:t>4/1/2020</a:t>
+              <a:t>4/24/2020</a:t>
             </a:fld>
             <a:endParaRPr lang="en-US"/>
           </a:p>
@@ -2442,7 +2442,7 @@
           <a:p>
             <a:fld id="{2B074AF0-6E2B-47C0-B1CC-428EF7953BA6}" type="datetimeFigureOut">
               <a:rPr lang="en-US" smtClean="0"/>
-              <a:t>4/1/2020</a:t>
+              <a:t>4/24/2020</a:t>
             </a:fld>
             <a:endParaRPr lang="en-US"/>
           </a:p>
@@ -2631,7 +2631,7 @@
           <a:p>
             <a:fld id="{2B074AF0-6E2B-47C0-B1CC-428EF7953BA6}" type="datetimeFigureOut">
               <a:rPr lang="en-US" smtClean="0"/>
-              <a:t>4/1/2020</a:t>
+              <a:t>4/24/2020</a:t>
             </a:fld>
             <a:endParaRPr lang="en-US"/>
           </a:p>
@@ -2948,7 +2948,7 @@
           <a:p>
             <a:fld id="{2B074AF0-6E2B-47C0-B1CC-428EF7953BA6}" type="datetimeFigureOut">
               <a:rPr lang="en-US" smtClean="0"/>
-              <a:t>4/1/2020</a:t>
+              <a:t>4/24/2020</a:t>
             </a:fld>
             <a:endParaRPr lang="en-US"/>
           </a:p>
@@ -3086,38 +3086,37 @@
           <a:p>
             <a:pPr lvl="0"/>
             <a:r>
-              <a:rPr lang="en-US"/>
+              <a:rPr lang="en-US" dirty="0"/>
               <a:t>Click to edit Master text styles</a:t>
             </a:r>
           </a:p>
           <a:p>
             <a:pPr lvl="1"/>
             <a:r>
-              <a:rPr lang="en-US"/>
+              <a:rPr lang="en-US" dirty="0"/>
               <a:t>Second level</a:t>
             </a:r>
           </a:p>
           <a:p>
             <a:pPr lvl="2"/>
             <a:r>
-              <a:rPr lang="en-US"/>
+              <a:rPr lang="en-US" dirty="0"/>
               <a:t>Third level</a:t>
             </a:r>
           </a:p>
           <a:p>
             <a:pPr lvl="3"/>
             <a:r>
-              <a:rPr lang="en-US"/>
+              <a:rPr lang="en-US" dirty="0"/>
               <a:t>Fourth level</a:t>
             </a:r>
           </a:p>
           <a:p>
             <a:pPr lvl="4"/>
             <a:r>
-              <a:rPr lang="en-US"/>
+              <a:rPr lang="en-US" dirty="0"/>
               <a:t>Fifth level</a:t>
             </a:r>
-            <a:endParaRPr lang="en-US" dirty="0"/>
           </a:p>
         </p:txBody>
       </p:sp>
@@ -3327,7 +3326,7 @@
           <a:p>
             <a:fld id="{2B074AF0-6E2B-47C0-B1CC-428EF7953BA6}" type="datetimeFigureOut">
               <a:rPr lang="en-US" smtClean="0"/>
-              <a:t>4/1/2020</a:t>
+              <a:t>4/24/2020</a:t>
             </a:fld>
             <a:endParaRPr lang="en-US"/>
           </a:p>
@@ -3384,7 +3383,7 @@
           <a:solidFill>
             <a:schemeClr val="tx1"/>
           </a:solidFill>
-          <a:latin typeface="+mn-lt"/>
+          <a:latin typeface="+mj-lt"/>
           <a:ea typeface="+mn-ea"/>
           <a:cs typeface="+mn-cs"/>
         </a:defRPr>
@@ -3402,7 +3401,7 @@
           <a:solidFill>
             <a:schemeClr val="tx1"/>
           </a:solidFill>
-          <a:latin typeface="+mn-lt"/>
+          <a:latin typeface="+mj-lt"/>
           <a:ea typeface="+mn-ea"/>
           <a:cs typeface="+mn-cs"/>
         </a:defRPr>
@@ -3420,7 +3419,7 @@
           <a:solidFill>
             <a:schemeClr val="tx1"/>
           </a:solidFill>
-          <a:latin typeface="+mn-lt"/>
+          <a:latin typeface="+mj-lt"/>
           <a:ea typeface="+mn-ea"/>
           <a:cs typeface="+mn-cs"/>
         </a:defRPr>
@@ -3438,7 +3437,7 @@
           <a:solidFill>
             <a:schemeClr val="tx1"/>
           </a:solidFill>
-          <a:latin typeface="+mn-lt"/>
+          <a:latin typeface="+mj-lt"/>
           <a:ea typeface="+mn-ea"/>
           <a:cs typeface="+mn-cs"/>
         </a:defRPr>
@@ -3456,7 +3455,7 @@
           <a:solidFill>
             <a:schemeClr val="tx1"/>
           </a:solidFill>
-          <a:latin typeface="+mn-lt"/>
+          <a:latin typeface="+mj-lt"/>
           <a:ea typeface="+mn-ea"/>
           <a:cs typeface="+mn-cs"/>
         </a:defRPr>
@@ -3680,25 +3679,6 @@
           </a:p>
         </p:txBody>
       </p:sp>
-      <p:sp>
-        <p:nvSpPr>
-          <p:cNvPr id="3" name="Subtitle 2"/>
-          <p:cNvSpPr>
-            <a:spLocks noGrp="1"/>
-          </p:cNvSpPr>
-          <p:nvPr>
-            <p:ph type="subTitle" idx="1"/>
-          </p:nvPr>
-        </p:nvSpPr>
-        <p:spPr/>
-        <p:txBody>
-          <a:bodyPr/>
-          <a:lstStyle/>
-          <a:p>
-            <a:endParaRPr lang="en-US"/>
-          </a:p>
-        </p:txBody>
-      </p:sp>
     </p:spTree>
     <p:extLst>
       <p:ext uri="{BB962C8B-B14F-4D97-AF65-F5344CB8AC3E}">
@@ -3731,40 +3711,24 @@
       </p:grpSpPr>
       <p:sp>
         <p:nvSpPr>
-          <p:cNvPr id="2" name="Title 1"/>
-          <p:cNvSpPr>
-            <a:spLocks noGrp="1"/>
-          </p:cNvSpPr>
-          <p:nvPr>
-            <p:ph type="title"/>
-          </p:nvPr>
-        </p:nvSpPr>
-        <p:spPr/>
-        <p:txBody>
-          <a:bodyPr/>
-          <a:lstStyle/>
-          <a:p>
-            <a:r>
-              <a:rPr lang="en-US" dirty="0"/>
-              <a:t>Role of SMI</a:t>
-            </a:r>
-          </a:p>
-        </p:txBody>
-      </p:sp>
-      <p:sp>
-        <p:nvSpPr>
-          <p:cNvPr id="3" name="Content Placeholder 2"/>
-          <p:cNvSpPr>
-            <a:spLocks noGrp="1"/>
-          </p:cNvSpPr>
-          <p:nvPr>
-            <p:ph idx="1"/>
+          <p:cNvPr id="6" name="Text Placeholder 5">
+            <a:extLst>
+              <a:ext uri="{FF2B5EF4-FFF2-40B4-BE49-F238E27FC236}">
+                <a16:creationId xmlns:a16="http://schemas.microsoft.com/office/drawing/2014/main" id="{EACD8DF8-C780-4C54-AE5F-1A96BE669E5D}"/>
+              </a:ext>
+            </a:extLst>
+          </p:cNvPr>
+          <p:cNvSpPr>
+            <a:spLocks noGrp="1"/>
+          </p:cNvSpPr>
+          <p:nvPr>
+            <p:ph type="body" idx="1"/>
           </p:nvPr>
         </p:nvSpPr>
         <p:spPr>
           <a:xfrm>
-            <a:off x="0" y="1371600"/>
-            <a:ext cx="8382000" cy="990600"/>
+            <a:off x="457200" y="1224849"/>
+            <a:ext cx="3657600" cy="639762"/>
           </a:xfrm>
         </p:spPr>
         <p:txBody>
@@ -3772,59 +3736,126 @@
           <a:lstStyle/>
           <a:p>
             <a:r>
-              <a:rPr lang="en-US" dirty="0"/>
-              <a:t>Define rules for naming objects, defining object type, and showing how to encode objects and values.</a:t>
-            </a:r>
-          </a:p>
-          <a:p>
-            <a:endParaRPr lang="en-US" dirty="0"/>
-          </a:p>
-        </p:txBody>
-      </p:sp>
-      <p:sp>
-        <p:nvSpPr>
-          <p:cNvPr id="4" name="TextBox 3"/>
-          <p:cNvSpPr txBox="1"/>
-          <p:nvPr/>
+              <a:rPr lang="en-IN" sz="3200" dirty="0"/>
+              <a:t>Role of SMI</a:t>
+            </a:r>
+          </a:p>
+        </p:txBody>
+      </p:sp>
+      <p:sp>
+        <p:nvSpPr>
+          <p:cNvPr id="7" name="Content Placeholder 6">
+            <a:extLst>
+              <a:ext uri="{FF2B5EF4-FFF2-40B4-BE49-F238E27FC236}">
+                <a16:creationId xmlns:a16="http://schemas.microsoft.com/office/drawing/2014/main" id="{F2797220-EB3C-4574-97C8-9EBF8E6C2F96}"/>
+              </a:ext>
+            </a:extLst>
+          </p:cNvPr>
+          <p:cNvSpPr>
+            <a:spLocks noGrp="1"/>
+          </p:cNvSpPr>
+          <p:nvPr>
+            <p:ph sz="half" idx="2"/>
+          </p:nvPr>
         </p:nvSpPr>
         <p:spPr>
           <a:xfrm>
-            <a:off x="304800" y="2667000"/>
-            <a:ext cx="8153400" cy="2123658"/>
+            <a:off x="457200" y="2174875"/>
+            <a:ext cx="3657600" cy="2016125"/>
           </a:xfrm>
-          <a:prstGeom prst="rect">
-            <a:avLst/>
-          </a:prstGeom>
-          <a:noFill/>
         </p:spPr>
         <p:txBody>
-          <a:bodyPr wrap="square" rtlCol="0">
-            <a:spAutoFit/>
+          <a:bodyPr>
+            <a:normAutofit/>
           </a:bodyPr>
           <a:lstStyle/>
           <a:p>
             <a:r>
-              <a:rPr lang="en-US" sz="4400" dirty="0"/>
+              <a:rPr lang="en-US" dirty="0"/>
+              <a:t>Define rules for naming objects, defining object type, and showing how to encode objects and values.</a:t>
+            </a:r>
+          </a:p>
+        </p:txBody>
+      </p:sp>
+      <p:sp>
+        <p:nvSpPr>
+          <p:cNvPr id="8" name="Text Placeholder 7">
+            <a:extLst>
+              <a:ext uri="{FF2B5EF4-FFF2-40B4-BE49-F238E27FC236}">
+                <a16:creationId xmlns:a16="http://schemas.microsoft.com/office/drawing/2014/main" id="{0207BE18-DF11-4B44-B596-D6B1F3D21CF9}"/>
+              </a:ext>
+            </a:extLst>
+          </p:cNvPr>
+          <p:cNvSpPr>
+            <a:spLocks noGrp="1"/>
+          </p:cNvSpPr>
+          <p:nvPr>
+            <p:ph type="body" sz="quarter" idx="3"/>
+          </p:nvPr>
+        </p:nvSpPr>
+        <p:spPr>
+          <a:xfrm>
+            <a:off x="4419600" y="1224849"/>
+            <a:ext cx="3657600" cy="639762"/>
+          </a:xfrm>
+        </p:spPr>
+        <p:txBody>
+          <a:bodyPr/>
+          <a:lstStyle/>
+          <a:p>
+            <a:r>
+              <a:rPr lang="en-US" sz="3200" dirty="0"/>
               <a:t>Role of MIB</a:t>
             </a:r>
           </a:p>
-          <a:p>
-            <a:pPr marL="571500" indent="-571500">
-              <a:buFont typeface="Arial" panose="020B0604020202020204" pitchFamily="34" charset="0"/>
-              <a:buChar char="•"/>
+        </p:txBody>
+      </p:sp>
+      <p:sp>
+        <p:nvSpPr>
+          <p:cNvPr id="9" name="Content Placeholder 8">
+            <a:extLst>
+              <a:ext uri="{FF2B5EF4-FFF2-40B4-BE49-F238E27FC236}">
+                <a16:creationId xmlns:a16="http://schemas.microsoft.com/office/drawing/2014/main" id="{8584BC64-87D3-458B-830B-570F55A47331}"/>
+              </a:ext>
+            </a:extLst>
+          </p:cNvPr>
+          <p:cNvSpPr>
+            <a:spLocks noGrp="1"/>
+          </p:cNvSpPr>
+          <p:nvPr>
+            <p:ph sz="quarter" idx="4"/>
+          </p:nvPr>
+        </p:nvSpPr>
+        <p:spPr>
+          <a:xfrm>
+            <a:off x="4191000" y="2174875"/>
+            <a:ext cx="4191000" cy="3458276"/>
+          </a:xfrm>
+        </p:spPr>
+        <p:txBody>
+          <a:bodyPr>
+            <a:normAutofit/>
+          </a:bodyPr>
+          <a:lstStyle/>
+          <a:p>
+            <a:pPr marL="571500" algn="just">
+              <a:lnSpc>
+                <a:spcPct val="90000"/>
+              </a:lnSpc>
             </a:pPr>
             <a:r>
-              <a:rPr lang="en-US" sz="2200" dirty="0"/>
+              <a:rPr lang="en-US" dirty="0"/>
               <a:t>MIB creates a collection of named objects, names them according to the rules defined by SMI. </a:t>
             </a:r>
           </a:p>
           <a:p>
-            <a:pPr marL="571500" indent="-571500">
-              <a:buFont typeface="Arial" panose="020B0604020202020204" pitchFamily="34" charset="0"/>
-              <a:buChar char="•"/>
+            <a:pPr marL="571500" algn="just">
+              <a:lnSpc>
+                <a:spcPct val="90000"/>
+              </a:lnSpc>
             </a:pPr>
             <a:r>
-              <a:rPr lang="en-US" sz="2200" dirty="0"/>
+              <a:rPr lang="en-US" dirty="0"/>
               <a:t>MIB creates a collection of named objects, their types and their relationships to each other in an entity to be managed. </a:t>
             </a:r>
           </a:p>
@@ -3833,7 +3864,7 @@
     </p:spTree>
     <p:extLst>
       <p:ext uri="{BB962C8B-B14F-4D97-AF65-F5344CB8AC3E}">
-        <p14:creationId xmlns:p14="http://schemas.microsoft.com/office/powerpoint/2010/main" val="2742640281"/>
+        <p14:creationId xmlns:p14="http://schemas.microsoft.com/office/powerpoint/2010/main" val="877244122"/>
       </p:ext>
     </p:extLst>
   </p:cSld>
@@ -4003,41 +4034,37 @@
           <a:lstStyle/>
           <a:p>
             <a:r>
-              <a:rPr lang="en-US" dirty="0"/>
-              <a:t>SMI v2 is a component for network management. Its function are</a:t>
+              <a:rPr lang="en-US" sz="2400" dirty="0"/>
+              <a:t>SMI v2 is a component for network management. Its function are: </a:t>
             </a:r>
           </a:p>
           <a:p>
             <a:pPr lvl="1"/>
             <a:r>
-              <a:rPr lang="en-US" dirty="0"/>
+              <a:rPr lang="en-US" sz="2100" dirty="0"/>
               <a:t>To name objects.</a:t>
             </a:r>
           </a:p>
           <a:p>
             <a:pPr lvl="1"/>
             <a:r>
-              <a:rPr lang="en-US" dirty="0"/>
+              <a:rPr lang="en-US" sz="2100" dirty="0"/>
               <a:t>To define the type of data that can be stored in an object.</a:t>
             </a:r>
           </a:p>
           <a:p>
             <a:pPr lvl="1"/>
             <a:r>
-              <a:rPr lang="en-US" dirty="0"/>
+              <a:rPr lang="en-US" sz="2100" dirty="0"/>
               <a:t>To show how to encode data for transmission over the network.</a:t>
             </a:r>
           </a:p>
           <a:p>
             <a:pPr lvl="1"/>
             <a:r>
-              <a:rPr lang="en-US" dirty="0"/>
-              <a:t>SMI is a guideline for SNMP, it emphasizes 3 attributes to handle an object: name ,datatype, encoding method.</a:t>
-            </a:r>
-          </a:p>
-          <a:p>
-            <a:pPr lvl="1"/>
-            <a:endParaRPr lang="en-US" dirty="0"/>
+              <a:rPr lang="en-US" sz="2100" dirty="0"/>
+              <a:t>SMI is a guideline for SNMP, it emphasizes 3 attributes to handle an object: name, datatype, encoding method. </a:t>
+            </a:r>
           </a:p>
           <a:p>
             <a:pPr lvl="1"/>
@@ -4846,10 +4873,52 @@
           <a:lstStyle/>
           <a:p>
             <a:r>
+              <a:rPr lang="en-US" sz="3200" i="1" dirty="0">
+                <a:latin typeface="+mj-lt"/>
+              </a:rPr>
+              <a:t>Monitoring</a:t>
+            </a:r>
+            <a:r>
               <a:rPr lang="en-US" sz="3200" dirty="0">
                 <a:latin typeface="+mj-lt"/>
               </a:rPr>
-              <a:t>Monitoring, testing, configuring and trouble-shooting network components to meet a set of requirements defined by an organization</a:t>
+              <a:t>, </a:t>
+            </a:r>
+            <a:r>
+              <a:rPr lang="en-US" sz="3200" i="1" dirty="0">
+                <a:latin typeface="+mj-lt"/>
+              </a:rPr>
+              <a:t>testing</a:t>
+            </a:r>
+            <a:r>
+              <a:rPr lang="en-US" sz="3200" dirty="0">
+                <a:latin typeface="+mj-lt"/>
+              </a:rPr>
+              <a:t>, </a:t>
+            </a:r>
+            <a:r>
+              <a:rPr lang="en-US" sz="3200" i="1" dirty="0">
+                <a:latin typeface="+mj-lt"/>
+              </a:rPr>
+              <a:t>configuring</a:t>
+            </a:r>
+            <a:r>
+              <a:rPr lang="en-US" sz="3200" dirty="0">
+                <a:latin typeface="+mj-lt"/>
+              </a:rPr>
+              <a:t> and </a:t>
+            </a:r>
+            <a:r>
+              <a:rPr lang="en-US" sz="3200" i="1" dirty="0">
+                <a:latin typeface="+mj-lt"/>
+              </a:rPr>
+              <a:t>trouble-shooting</a:t>
+            </a:r>
+            <a:r>
+              <a:rPr lang="en-US" sz="3200" dirty="0">
+                <a:latin typeface="+mj-lt"/>
+              </a:rPr>
+              <a:t> network components to meet a set of requirements defined by an organization. </a:t>
             </a:r>
           </a:p>
         </p:txBody>
@@ -5781,16 +5850,18 @@
         </p:nvSpPr>
         <p:spPr>
           <a:xfrm>
-            <a:off x="0" y="0"/>
-            <a:ext cx="8382000" cy="6553200"/>
+            <a:off x="0" y="228600"/>
+            <a:ext cx="8382000" cy="6324600"/>
           </a:xfrm>
         </p:spPr>
         <p:txBody>
-          <a:bodyPr/>
-          <a:lstStyle/>
-          <a:p>
-            <a:r>
-              <a:rPr lang="en-US" dirty="0" err="1"/>
+          <a:bodyPr>
+            <a:normAutofit/>
+          </a:bodyPr>
+          <a:lstStyle/>
+          <a:p>
+            <a:r>
+              <a:rPr lang="en-US" b="1" dirty="0" err="1"/>
               <a:t>GetRequest</a:t>
             </a:r>
             <a:r>
@@ -5802,7 +5873,21 @@
             <a:pPr lvl="1"/>
             <a:r>
               <a:rPr lang="en-US" dirty="0"/>
-              <a:t>A manager-to-agent request to retrieve the value of a variable or list of variables. Desired variables are specified in variable bindings (the value field is not used). Retrieval of the specified variable values is to be done as an </a:t>
+              <a:t>A manager-to-agent request to retrieve the value of a variable or list of variables. </a:t>
+            </a:r>
+          </a:p>
+          <a:p>
+            <a:pPr lvl="1"/>
+            <a:r>
+              <a:rPr lang="en-US" dirty="0"/>
+              <a:t>Desired variables are specified in variable bindings (the value field is not used). </a:t>
+            </a:r>
+          </a:p>
+          <a:p>
+            <a:pPr lvl="1"/>
+            <a:r>
+              <a:rPr lang="en-US" dirty="0"/>
+              <a:t>Retrieval of the specified variable values is to be done as an </a:t>
             </a:r>
             <a:r>
               <a:rPr lang="en-US" dirty="0">
@@ -5812,7 +5897,14 @@
             </a:r>
             <a:r>
               <a:rPr lang="en-US" dirty="0"/>
-              <a:t> by the agent. A </a:t>
+              <a:t> by the agent. </a:t>
+            </a:r>
+          </a:p>
+          <a:p>
+            <a:pPr lvl="1"/>
+            <a:r>
+              <a:rPr lang="en-US" dirty="0"/>
+              <a:t>A </a:t>
             </a:r>
             <a:r>
               <a:rPr lang="en-US" i="1" dirty="0"/>
@@ -5824,14 +5916,34 @@
             </a:r>
           </a:p>
           <a:p>
+            <a:r>
+              <a:rPr lang="en-US" b="1" dirty="0" err="1"/>
+              <a:t>SetRequest</a:t>
+            </a:r>
+            <a:r>
+              <a:rPr lang="en-US" dirty="0"/>
+              <a:t>:</a:t>
+            </a:r>
+          </a:p>
+          <a:p>
             <a:pPr lvl="1"/>
             <a:r>
-              <a:rPr lang="en-US" dirty="0" err="1"/>
-              <a:t>SetRequest</a:t>
-            </a:r>
-            <a:r>
-              <a:rPr lang="en-US" dirty="0"/>
-              <a:t> :A manager-to-agent request to change the value of a variable or list of variables. Variable bindings are specified in the body of the request. Changes to all specified variables are to be made as an atomic operation by the agent. A </a:t>
+              <a:rPr lang="en-US" dirty="0"/>
+              <a:t>A manager-to-agent request to change the value of a variable or list of variables. </a:t>
+            </a:r>
+          </a:p>
+          <a:p>
+            <a:pPr lvl="1"/>
+            <a:r>
+              <a:rPr lang="en-US" dirty="0"/>
+              <a:t>Variable bindings are specified in the body of the request. Changes to all specified variables are to be made as an atomic operation by the agent. </a:t>
+            </a:r>
+          </a:p>
+          <a:p>
+            <a:pPr lvl="1"/>
+            <a:r>
+              <a:rPr lang="en-US" dirty="0"/>
+              <a:t>A </a:t>
             </a:r>
             <a:r>
               <a:rPr lang="en-US" i="1" dirty="0"/>
@@ -5841,47 +5953,6 @@
               <a:rPr lang="en-US" dirty="0"/>
               <a:t> with (current) new values for the variables is returned.</a:t>
             </a:r>
-          </a:p>
-          <a:p>
-            <a:pPr lvl="1"/>
-            <a:r>
-              <a:rPr lang="en-US" dirty="0" err="1"/>
-              <a:t>GetNextRequest</a:t>
-            </a:r>
-            <a:r>
-              <a:rPr lang="en-US" dirty="0"/>
-              <a:t>: A manager-to-agent request to discover available variables and their values. Returns a </a:t>
-            </a:r>
-            <a:r>
-              <a:rPr lang="en-US" i="1" dirty="0"/>
-              <a:t>Response</a:t>
-            </a:r>
-            <a:r>
-              <a:rPr lang="en-US" dirty="0"/>
-              <a:t> with variable binding for the </a:t>
-            </a:r>
-            <a:r>
-              <a:rPr lang="en-US" dirty="0">
-                <a:hlinkClick r:id="rId3" tooltip="Lexicographical order"/>
-              </a:rPr>
-              <a:t>lexicographically next</a:t>
-            </a:r>
-            <a:r>
-              <a:rPr lang="en-US" dirty="0"/>
-              <a:t> variable in the MIB. The entire MIB of an agent can be walked by iterative application of </a:t>
-            </a:r>
-            <a:r>
-              <a:rPr lang="en-US" i="1" dirty="0" err="1"/>
-              <a:t>GetNextRequest</a:t>
-            </a:r>
-            <a:r>
-              <a:rPr lang="en-US" dirty="0"/>
-              <a:t> starting at OID 0. Rows of a table can be read by specifying column OIDs in the variable bindings of the request.</a:t>
-            </a:r>
-            <a:br>
-              <a:rPr lang="en-US" dirty="0"/>
-            </a:br>
-            <a:endParaRPr lang="en-US" dirty="0"/>
           </a:p>
         </p:txBody>
       </p:sp>
@@ -6013,28 +6084,61 @@
         </p:nvSpPr>
         <p:spPr>
           <a:xfrm>
-            <a:off x="0" y="0"/>
-            <a:ext cx="8077200" cy="6400800"/>
+            <a:off x="0" y="152400"/>
+            <a:ext cx="8077200" cy="6477000"/>
           </a:xfrm>
         </p:spPr>
         <p:txBody>
           <a:bodyPr/>
           <a:lstStyle/>
           <a:p>
-            <a:r>
-              <a:rPr lang="en-US" dirty="0" err="1"/>
-              <a:t>GetBulkRequest</a:t>
-            </a:r>
-            <a:r>
-              <a:rPr lang="en-US" dirty="0"/>
-              <a:t> :</a:t>
-            </a:r>
-          </a:p>
-          <a:p>
-            <a:pPr lvl="1"/>
-            <a:r>
-              <a:rPr lang="en-US" dirty="0"/>
-              <a:t>A manager-to-agent request for multiple iterations of </a:t>
+            <a:pPr algn="just"/>
+            <a:r>
+              <a:rPr lang="en-US" b="1" dirty="0" err="1"/>
+              <a:t>GetNextRequest</a:t>
+            </a:r>
+            <a:r>
+              <a:rPr lang="en-US" dirty="0"/>
+              <a:t>: </a:t>
+            </a:r>
+          </a:p>
+          <a:p>
+            <a:pPr lvl="1" algn="just"/>
+            <a:r>
+              <a:rPr lang="en-US" dirty="0"/>
+              <a:t>A manager-to-agent request to discover available variables and their values. </a:t>
+            </a:r>
+          </a:p>
+          <a:p>
+            <a:pPr lvl="1" algn="just"/>
+            <a:r>
+              <a:rPr lang="en-US" dirty="0"/>
+              <a:t>Returns a </a:t>
+            </a:r>
+            <a:r>
+              <a:rPr lang="en-US" i="1" dirty="0"/>
+              <a:t>Response</a:t>
+            </a:r>
+            <a:r>
+              <a:rPr lang="en-US" dirty="0"/>
+              <a:t> with variable binding for the </a:t>
+            </a:r>
+            <a:r>
+              <a:rPr lang="en-US" dirty="0">
+                <a:hlinkClick r:id="rId2" tooltip="Lexicographical order"/>
+              </a:rPr>
+              <a:t>lexicographically next</a:t>
+            </a:r>
+            <a:r>
+              <a:rPr lang="en-US" dirty="0"/>
+              <a:t> variable in the MIB. </a:t>
+            </a:r>
+          </a:p>
+          <a:p>
+            <a:pPr lvl="1" algn="just"/>
+            <a:r>
+              <a:rPr lang="en-US" dirty="0"/>
+              <a:t>The entire MIB of an agent can be walked by iterative application of </a:t>
             </a:r>
             <a:r>
               <a:rPr lang="en-US" i="1" dirty="0" err="1"/>
@@ -6042,14 +6146,32 @@
             </a:r>
             <a:r>
               <a:rPr lang="en-US" dirty="0"/>
-              <a:t>. </a:t>
-            </a:r>
-          </a:p>
-          <a:p>
-            <a:pPr lvl="1"/>
-            <a:r>
-              <a:rPr lang="en-US" dirty="0"/>
-              <a:t>An optimized version of </a:t>
+              <a:t> starting at OID 0. </a:t>
+            </a:r>
+          </a:p>
+          <a:p>
+            <a:pPr lvl="1" algn="just"/>
+            <a:r>
+              <a:rPr lang="en-US" dirty="0"/>
+              <a:t>Rows of a table can be read by specifying column OIDs in the variable bindings of the request. </a:t>
+            </a:r>
+          </a:p>
+          <a:p>
+            <a:pPr algn="just"/>
+            <a:r>
+              <a:rPr lang="en-US" b="1" dirty="0" err="1"/>
+              <a:t>GetBulkRequest</a:t>
+            </a:r>
+            <a:r>
+              <a:rPr lang="en-US" dirty="0"/>
+              <a:t> :</a:t>
+            </a:r>
+          </a:p>
+          <a:p>
+            <a:pPr lvl="1" algn="just"/>
+            <a:r>
+              <a:rPr lang="en-US" dirty="0"/>
+              <a:t>A manager-to-agent request for multiple iterations of </a:t>
             </a:r>
             <a:r>
               <a:rPr lang="en-US" i="1" dirty="0" err="1"/>
@@ -6057,11 +6179,26 @@
             </a:r>
             <a:r>
               <a:rPr lang="en-US" dirty="0"/>
+              <a:t>. </a:t>
+            </a:r>
+          </a:p>
+          <a:p>
+            <a:pPr lvl="1" algn="just"/>
+            <a:r>
+              <a:rPr lang="en-US" dirty="0"/>
+              <a:t>An optimized version of </a:t>
+            </a:r>
+            <a:r>
+              <a:rPr lang="en-US" i="1" dirty="0" err="1"/>
+              <a:t>GetNextRequest</a:t>
+            </a:r>
+            <a:r>
+              <a:rPr lang="en-US" dirty="0"/>
               <a:t>.</a:t>
             </a:r>
           </a:p>
           <a:p>
-            <a:pPr lvl="1"/>
+            <a:pPr lvl="1" algn="just"/>
             <a:r>
               <a:rPr lang="en-US" dirty="0"/>
               <a:t> Returns a </a:t>
@@ -6076,7 +6213,7 @@
             </a:r>
           </a:p>
           <a:p>
-            <a:pPr lvl="1"/>
+            <a:pPr lvl="1" algn="just"/>
             <a:r>
               <a:rPr lang="en-US" dirty="0"/>
               <a:t>PDU specific </a:t>
@@ -6099,7 +6236,7 @@
             </a:r>
           </a:p>
           <a:p>
-            <a:pPr lvl="1"/>
+            <a:pPr lvl="1" algn="just"/>
             <a:r>
               <a:rPr lang="en-US" dirty="0"/>
               <a:t> </a:t>
@@ -6157,23 +6294,28 @@
         </p:nvSpPr>
         <p:spPr>
           <a:xfrm>
-            <a:off x="0" y="0"/>
-            <a:ext cx="8305800" cy="6400800"/>
+            <a:off x="0" y="152400"/>
+            <a:ext cx="8305800" cy="6248400"/>
           </a:xfrm>
         </p:spPr>
         <p:txBody>
           <a:bodyPr>
-            <a:normAutofit lnSpcReduction="10000"/>
+            <a:normAutofit fontScale="92500" lnSpcReduction="10000"/>
           </a:bodyPr>
           <a:lstStyle/>
           <a:p>
-            <a:r>
-              <a:rPr lang="en-US" dirty="0"/>
+            <a:pPr algn="just"/>
+            <a:r>
+              <a:rPr lang="en-US" sz="2600" b="1" dirty="0"/>
               <a:t>Response</a:t>
             </a:r>
-          </a:p>
-          <a:p>
-            <a:pPr lvl="1"/>
+            <a:r>
+              <a:rPr lang="en-US" b="1" dirty="0"/>
+              <a:t>:</a:t>
+            </a:r>
+          </a:p>
+          <a:p>
+            <a:pPr lvl="1" algn="just"/>
             <a:r>
               <a:rPr lang="en-US" dirty="0"/>
               <a:t>Returns variable bindings and acknowledgement from agent to manager  for </a:t>
@@ -6220,7 +6362,7 @@
             </a:r>
           </a:p>
           <a:p>
-            <a:pPr lvl="1"/>
+            <a:pPr lvl="1" algn="just"/>
             <a:r>
               <a:rPr lang="en-US" dirty="0"/>
               <a:t>Error reporting is provided by </a:t>
@@ -6243,7 +6385,7 @@
             </a:r>
           </a:p>
           <a:p>
-            <a:pPr lvl="1"/>
+            <a:pPr lvl="1" algn="just"/>
             <a:r>
               <a:rPr lang="en-US" dirty="0"/>
               <a:t>Although it was used as a response to both gets and sets, this PDU was called </a:t>
@@ -6258,28 +6400,32 @@
             </a:r>
           </a:p>
           <a:p>
-            <a:pPr lvl="1"/>
-            <a:r>
-              <a:rPr lang="en-US" sz="2400" dirty="0"/>
-              <a:t>Trap :</a:t>
-            </a:r>
-          </a:p>
-          <a:p>
-            <a:pPr lvl="2"/>
+            <a:pPr algn="just"/>
+            <a:r>
+              <a:rPr lang="en-US" sz="2600" b="1" dirty="0"/>
+              <a:t>Trap</a:t>
+            </a:r>
+            <a:r>
+              <a:rPr lang="en-US" sz="2600" dirty="0"/>
+              <a:t>:</a:t>
+            </a:r>
+          </a:p>
+          <a:p>
+            <a:pPr lvl="1" algn="just"/>
             <a:r>
               <a:rPr lang="en-US" dirty="0"/>
               <a:t>Asynchronous notification from agent to manager. </a:t>
             </a:r>
           </a:p>
           <a:p>
-            <a:pPr lvl="2"/>
+            <a:pPr lvl="1" algn="just"/>
             <a:r>
               <a:rPr lang="en-US" dirty="0"/>
               <a:t>While in other SNMP communication, the manager actively requests information from the agent, these are PDUs that are sent from the agent to the manager without being explicitly requested. </a:t>
             </a:r>
           </a:p>
           <a:p>
-            <a:pPr lvl="2"/>
+            <a:pPr lvl="1" algn="just"/>
             <a:r>
               <a:rPr lang="en-US" dirty="0"/>
               <a:t>SNMP </a:t>
@@ -6296,7 +6442,7 @@
             </a:r>
           </a:p>
           <a:p>
-            <a:pPr lvl="2"/>
+            <a:pPr lvl="1" algn="just"/>
             <a:r>
               <a:rPr lang="en-US" dirty="0"/>
               <a:t>Trap PDUs include current </a:t>
@@ -6311,7 +6457,7 @@
             </a:r>
           </a:p>
           <a:p>
-            <a:pPr lvl="2"/>
+            <a:pPr lvl="1" algn="just"/>
             <a:r>
               <a:rPr lang="en-US" dirty="0"/>
               <a:t>Destination addressing for traps is determined in an application-specific manner typically through trap configuration variables in the MIB. The format of the trap message was changed in SNMPv2 and the PDU was renamed </a:t>
@@ -6377,28 +6523,25 @@
           <a:bodyPr/>
           <a:lstStyle/>
           <a:p>
-            <a:r>
-              <a:rPr lang="en-US" dirty="0" err="1"/>
+            <a:pPr algn="just"/>
+            <a:r>
+              <a:rPr lang="en-US" b="1" dirty="0" err="1"/>
               <a:t>InformRequest</a:t>
             </a:r>
             <a:r>
               <a:rPr lang="en-US" dirty="0"/>
-              <a:t> :Acknowledged a</a:t>
-            </a:r>
-          </a:p>
-          <a:p>
-            <a:pPr lvl="1"/>
-            <a:r>
-              <a:rPr lang="en-US" dirty="0"/>
-              <a:t>synchronous notification. This PDU was introduced in SNMPv2 and was originally defined as </a:t>
+              <a:t>:</a:t>
+            </a:r>
+          </a:p>
+          <a:p>
+            <a:pPr lvl="1" algn="just"/>
+            <a:r>
+              <a:rPr lang="en-US" dirty="0"/>
+              <a:t>Acknowledged a synchronous notification. This PDU was introduced in SNMPv2 and was originally defined as </a:t>
             </a:r>
             <a:r>
               <a:rPr lang="en-US" i="1" dirty="0"/>
-              <a:t>manager to  </a:t>
-            </a:r>
-            <a:r>
-              <a:rPr lang="en-US" i="1" dirty="0" err="1"/>
-              <a:t>anager</a:t>
+              <a:t>manager to manager</a:t>
             </a:r>
             <a:r>
               <a:rPr lang="en-US" dirty="0"/>
@@ -6407,10 +6550,10 @@
             <a:endParaRPr lang="en-US" baseline="30000" dirty="0"/>
           </a:p>
           <a:p>
-            <a:pPr lvl="1"/>
-            <a:r>
-              <a:rPr lang="en-US" dirty="0"/>
-              <a:t> Later implementations have loosened the original definition to allow </a:t>
+            <a:pPr lvl="1" algn="just"/>
+            <a:r>
+              <a:rPr lang="en-US" dirty="0"/>
+              <a:t>Later implementations have loosened the original definition to allow </a:t>
             </a:r>
             <a:r>
               <a:rPr lang="en-US" i="1" dirty="0"/>
@@ -6865,6 +7008,7 @@
           </a:bodyPr>
           <a:lstStyle/>
           <a:p>
+            <a:pPr algn="just"/>
             <a:r>
               <a:rPr lang="en-US" sz="2400" dirty="0">
                 <a:latin typeface="+mj-lt"/>
@@ -6873,7 +7017,7 @@
             </a:r>
           </a:p>
           <a:p>
-            <a:pPr marL="114300" indent="0">
+            <a:pPr marL="114300" indent="0" algn="just">
               <a:buNone/>
             </a:pPr>
             <a:endParaRPr lang="en-US" sz="2400" dirty="0">
@@ -6881,6 +7025,7 @@
             </a:endParaRPr>
           </a:p>
           <a:p>
+            <a:pPr algn="just"/>
             <a:r>
               <a:rPr lang="en-US" sz="2400" dirty="0">
                 <a:latin typeface="+mj-lt"/>
@@ -6889,11 +7034,13 @@
             </a:r>
           </a:p>
           <a:p>
+            <a:pPr algn="just"/>
             <a:endParaRPr lang="en-US" sz="2400" dirty="0">
               <a:latin typeface="+mj-lt"/>
             </a:endParaRPr>
           </a:p>
           <a:p>
+            <a:pPr algn="just"/>
             <a:r>
               <a:rPr lang="en-US" altLang="en-US" sz="2400" dirty="0">
                 <a:latin typeface="+mj-lt"/>
@@ -6926,11 +7073,13 @@
             </a:r>
           </a:p>
           <a:p>
+            <a:pPr algn="just"/>
             <a:endParaRPr lang="en-US" sz="2400" dirty="0">
               <a:latin typeface="+mj-lt"/>
             </a:endParaRPr>
           </a:p>
           <a:p>
+            <a:pPr algn="just"/>
             <a:r>
               <a:rPr lang="en-US" altLang="en-US" sz="2400" dirty="0">
                 <a:latin typeface="+mj-lt"/>
@@ -6939,27 +7088,19 @@
             </a:r>
           </a:p>
           <a:p>
+            <a:pPr algn="just"/>
             <a:endParaRPr lang="en-US" sz="2400" dirty="0">
               <a:latin typeface="+mj-lt"/>
             </a:endParaRPr>
           </a:p>
           <a:p>
+            <a:pPr algn="just"/>
             <a:r>
               <a:rPr lang="en-US" sz="2400" dirty="0">
                 <a:latin typeface="+mj-lt"/>
               </a:rPr>
               <a:t>It can be used in a heterogeneous internet with different LANs and WANs connected by routers made by different manufacturers. </a:t>
             </a:r>
-          </a:p>
-          <a:p>
-            <a:endParaRPr lang="en-US" sz="2400" dirty="0">
-              <a:latin typeface="+mj-lt"/>
-            </a:endParaRPr>
-          </a:p>
-          <a:p>
-            <a:endParaRPr lang="en-US" sz="2400" dirty="0">
-              <a:latin typeface="+mj-lt"/>
-            </a:endParaRPr>
           </a:p>
         </p:txBody>
       </p:sp>
@@ -7136,56 +7277,32 @@
           <a:bodyPr/>
           <a:lstStyle/>
           <a:p>
+            <a:pPr algn="just"/>
             <a:r>
               <a:rPr lang="en-US" sz="3200" dirty="0"/>
               <a:t>Manager</a:t>
             </a:r>
           </a:p>
           <a:p>
-            <a:pPr lvl="1"/>
+            <a:pPr lvl="1" algn="just"/>
             <a:r>
               <a:rPr lang="en-US" sz="2400" dirty="0"/>
               <a:t>That runs SNMP client program.</a:t>
             </a:r>
           </a:p>
           <a:p>
-            <a:pPr lvl="1"/>
+            <a:pPr lvl="1" algn="just"/>
             <a:r>
               <a:rPr lang="en-US" sz="2400" dirty="0"/>
               <a:t>A manager can checks an agent by requesting information from agent.</a:t>
             </a:r>
           </a:p>
           <a:p>
-            <a:pPr lvl="1"/>
+            <a:pPr lvl="1" algn="just"/>
             <a:r>
               <a:rPr lang="en-US" sz="2400" dirty="0"/>
               <a:t>It can forces an agent to perform a task by resetting values in agent db.</a:t>
             </a:r>
-          </a:p>
-          <a:p>
-            <a:pPr marL="411480" lvl="1" indent="0">
-              <a:buNone/>
-            </a:pPr>
-            <a:endParaRPr lang="en-US" sz="2400" dirty="0"/>
-          </a:p>
-          <a:p>
-            <a:pPr marL="411480" lvl="1" indent="0">
-              <a:buNone/>
-            </a:pPr>
-            <a:endParaRPr lang="en-US" sz="2400" dirty="0"/>
-          </a:p>
-          <a:p>
-            <a:pPr lvl="1"/>
-            <a:endParaRPr lang="en-US" sz="2400" dirty="0"/>
-          </a:p>
-          <a:p>
-            <a:pPr marL="411480" lvl="1" indent="0">
-              <a:buNone/>
-            </a:pPr>
-            <a:endParaRPr lang="en-US" dirty="0"/>
-          </a:p>
-          <a:p>
-            <a:pPr lvl="1"/>
             <a:endParaRPr lang="en-US" dirty="0"/>
           </a:p>
         </p:txBody>
@@ -7240,42 +7357,39 @@
           <a:bodyPr/>
           <a:lstStyle/>
           <a:p>
+            <a:pPr algn="just"/>
             <a:r>
               <a:rPr lang="en-US" sz="3200" dirty="0"/>
               <a:t>Agent:</a:t>
             </a:r>
           </a:p>
           <a:p>
-            <a:pPr lvl="1"/>
+            <a:pPr lvl="1" algn="just"/>
             <a:r>
               <a:rPr lang="en-US" sz="2400" dirty="0"/>
               <a:t>Managed station. </a:t>
             </a:r>
           </a:p>
           <a:p>
-            <a:pPr lvl="1"/>
+            <a:pPr lvl="1" algn="just"/>
             <a:r>
               <a:rPr lang="en-US" sz="2400" dirty="0"/>
               <a:t>Normally a router that runs the SNMP server program. </a:t>
             </a:r>
           </a:p>
           <a:p>
-            <a:pPr lvl="1"/>
+            <a:pPr lvl="1" algn="just"/>
             <a:r>
               <a:rPr lang="en-US" sz="2400" dirty="0"/>
               <a:t>It keeps performance information in a database.</a:t>
             </a:r>
           </a:p>
           <a:p>
-            <a:pPr lvl="1"/>
+            <a:pPr lvl="1" algn="just"/>
             <a:r>
               <a:rPr lang="en-US" sz="2400" dirty="0"/>
               <a:t>Server program running on agent can check the environment, if notices something unusual, it can send warning message (trap), to manager.</a:t>
             </a:r>
-          </a:p>
-          <a:p>
-            <a:pPr lvl="1"/>
-            <a:endParaRPr lang="en-US" sz="2400" dirty="0"/>
           </a:p>
         </p:txBody>
       </p:sp>
@@ -7507,31 +7621,24 @@
         </p:nvSpPr>
         <p:spPr>
           <a:xfrm>
-            <a:off x="76200" y="1371600"/>
-            <a:ext cx="8001000" cy="2133600"/>
+            <a:off x="76200" y="1600200"/>
+            <a:ext cx="8001000" cy="1905000"/>
           </a:xfrm>
         </p:spPr>
         <p:txBody>
           <a:bodyPr/>
           <a:lstStyle/>
           <a:p>
-            <a:pPr marL="114300" indent="0">
-              <a:buNone/>
-            </a:pPr>
-            <a:endParaRPr lang="en-US" altLang="en-US" sz="2400" i="1" dirty="0">
-              <a:latin typeface="Arial" charset="0"/>
-            </a:endParaRPr>
-          </a:p>
-          <a:p>
-            <a:r>
-              <a:rPr lang="en-US" altLang="en-US" sz="2400" dirty="0">
-                <a:latin typeface="Arial" charset="0"/>
-              </a:rPr>
-              <a:t>SNMP defines the format of packets exchanged between a manager and an agent. It reads and changes the status of objects (values of variables) in SNMP packets.</a:t>
-            </a:r>
-          </a:p>
-          <a:p>
-            <a:endParaRPr lang="en-US" dirty="0"/>
+            <a:r>
+              <a:rPr lang="en-US" altLang="en-US" sz="2400" dirty="0"/>
+              <a:t>SNMP defines the format of packets exchanged between a manager and an agent. </a:t>
+            </a:r>
+          </a:p>
+          <a:p>
+            <a:r>
+              <a:rPr lang="en-US" altLang="en-US" sz="2400" dirty="0"/>
+              <a:t>It reads and changes the status of objects (values of variables) in SNMP packets.</a:t>
+            </a:r>
           </a:p>
         </p:txBody>
       </p:sp>
